--- a/presentation/ИУ7-55Б-Талышева-Олеся-презентация-КГ.pptx
+++ b/presentation/ИУ7-55Б-Талышева-Олеся-презентация-КГ.pptx
@@ -5,10 +5,10 @@
     <p:sldMasterId id="2147483648" r:id="rId1"/>
   </p:sldMasterIdLst>
   <p:notesMasterIdLst>
-    <p:notesMasterId r:id="rId15"/>
+    <p:notesMasterId r:id="rId18"/>
   </p:notesMasterIdLst>
   <p:handoutMasterIdLst>
-    <p:handoutMasterId r:id="rId16"/>
+    <p:handoutMasterId r:id="rId19"/>
   </p:handoutMasterIdLst>
   <p:sldIdLst>
     <p:sldId id="256" r:id="rId2"/>
@@ -22,8 +22,11 @@
     <p:sldId id="265" r:id="rId10"/>
     <p:sldId id="266" r:id="rId11"/>
     <p:sldId id="271" r:id="rId12"/>
-    <p:sldId id="268" r:id="rId13"/>
-    <p:sldId id="269" r:id="rId14"/>
+    <p:sldId id="272" r:id="rId13"/>
+    <p:sldId id="273" r:id="rId14"/>
+    <p:sldId id="274" r:id="rId15"/>
+    <p:sldId id="268" r:id="rId16"/>
+    <p:sldId id="269" r:id="rId17"/>
   </p:sldIdLst>
   <p:sldSz cx="12192000" cy="6858000"/>
   <p:notesSz cx="6858000" cy="9144000"/>
@@ -224,7 +227,7 @@
           <a:p>
             <a:fld id="{0DA546AC-5A6D-4588-AFF0-C320125423CA}" type="datetimeFigureOut">
               <a:rPr lang="ru-RU" smtClean="0"/>
-              <a:t>12.12.2024</a:t>
+              <a:t>16.12.2024</a:t>
             </a:fld>
             <a:endParaRPr lang="ru-RU"/>
           </a:p>
@@ -402,7 +405,7 @@
           <a:p>
             <a:fld id="{066777D4-AA9D-4D16-9CE3-C8B2E32958BA}" type="datetimeFigureOut">
               <a:rPr lang="ru-RU" smtClean="0"/>
-              <a:t>12.12.2024</a:t>
+              <a:t>16.12.2024</a:t>
             </a:fld>
             <a:endParaRPr lang="ru-RU"/>
           </a:p>
@@ -817,7 +820,7 @@
           <a:p>
             <a:fld id="{11568F1D-E21A-455D-93AB-4446A310AF39}" type="datetime1">
               <a:rPr lang="ru-RU" smtClean="0"/>
-              <a:t>12.12.2024</a:t>
+              <a:t>16.12.2024</a:t>
             </a:fld>
             <a:endParaRPr lang="ru-RU"/>
           </a:p>
@@ -1015,7 +1018,7 @@
           <a:p>
             <a:fld id="{5BEC8965-A769-470D-AAFD-657E060016EC}" type="datetime1">
               <a:rPr lang="ru-RU" smtClean="0"/>
-              <a:t>12.12.2024</a:t>
+              <a:t>16.12.2024</a:t>
             </a:fld>
             <a:endParaRPr lang="ru-RU"/>
           </a:p>
@@ -1223,7 +1226,7 @@
           <a:p>
             <a:fld id="{48B96F8B-7DE3-4196-BC91-EC09CB948CD7}" type="datetime1">
               <a:rPr lang="ru-RU" smtClean="0"/>
-              <a:t>12.12.2024</a:t>
+              <a:t>16.12.2024</a:t>
             </a:fld>
             <a:endParaRPr lang="ru-RU"/>
           </a:p>
@@ -1421,7 +1424,7 @@
           <a:p>
             <a:fld id="{E0F26BEC-96FE-4F36-8B9C-B4AC3791791B}" type="datetime1">
               <a:rPr lang="ru-RU" smtClean="0"/>
-              <a:t>12.12.2024</a:t>
+              <a:t>16.12.2024</a:t>
             </a:fld>
             <a:endParaRPr lang="ru-RU"/>
           </a:p>
@@ -1696,7 +1699,7 @@
           <a:p>
             <a:fld id="{8A08ECE6-86B4-4413-8D56-73562050E5EA}" type="datetime1">
               <a:rPr lang="ru-RU" smtClean="0"/>
-              <a:t>12.12.2024</a:t>
+              <a:t>16.12.2024</a:t>
             </a:fld>
             <a:endParaRPr lang="ru-RU"/>
           </a:p>
@@ -1961,7 +1964,7 @@
           <a:p>
             <a:fld id="{0807F507-BF70-41B3-9847-1B409AA387DF}" type="datetime1">
               <a:rPr lang="ru-RU" smtClean="0"/>
-              <a:t>12.12.2024</a:t>
+              <a:t>16.12.2024</a:t>
             </a:fld>
             <a:endParaRPr lang="ru-RU"/>
           </a:p>
@@ -2373,7 +2376,7 @@
           <a:p>
             <a:fld id="{C977EFFB-2B49-4227-90C1-14AD36CDB185}" type="datetime1">
               <a:rPr lang="ru-RU" smtClean="0"/>
-              <a:t>12.12.2024</a:t>
+              <a:t>16.12.2024</a:t>
             </a:fld>
             <a:endParaRPr lang="ru-RU"/>
           </a:p>
@@ -2514,7 +2517,7 @@
           <a:p>
             <a:fld id="{6701B402-AFA4-4EE2-89C3-3477E18027E6}" type="datetime1">
               <a:rPr lang="ru-RU" smtClean="0"/>
-              <a:t>12.12.2024</a:t>
+              <a:t>16.12.2024</a:t>
             </a:fld>
             <a:endParaRPr lang="ru-RU"/>
           </a:p>
@@ -2627,7 +2630,7 @@
           <a:p>
             <a:fld id="{69B18D17-8A7C-40D5-AAAC-B9794CF470D4}" type="datetime1">
               <a:rPr lang="ru-RU" smtClean="0"/>
-              <a:t>12.12.2024</a:t>
+              <a:t>16.12.2024</a:t>
             </a:fld>
             <a:endParaRPr lang="ru-RU"/>
           </a:p>
@@ -2938,7 +2941,7 @@
           <a:p>
             <a:fld id="{F4E0A172-6C39-4376-AE7F-AF20130B4149}" type="datetime1">
               <a:rPr lang="ru-RU" smtClean="0"/>
-              <a:t>12.12.2024</a:t>
+              <a:t>16.12.2024</a:t>
             </a:fld>
             <a:endParaRPr lang="ru-RU"/>
           </a:p>
@@ -3226,7 +3229,7 @@
           <a:p>
             <a:fld id="{76C39916-03B7-4CAE-9994-C64FD764AF70}" type="datetime1">
               <a:rPr lang="ru-RU" smtClean="0"/>
-              <a:t>12.12.2024</a:t>
+              <a:t>16.12.2024</a:t>
             </a:fld>
             <a:endParaRPr lang="ru-RU"/>
           </a:p>
@@ -3467,7 +3470,7 @@
           <a:p>
             <a:fld id="{F54EB54C-B518-4A0B-82B5-1AC21EB5362B}" type="datetime1">
               <a:rPr lang="ru-RU" smtClean="0"/>
-              <a:t>12.12.2024</a:t>
+              <a:t>16.12.2024</a:t>
             </a:fld>
             <a:endParaRPr lang="ru-RU"/>
           </a:p>
@@ -4406,10 +4409,10 @@
       </p:sp>
       <p:pic>
         <p:nvPicPr>
-          <p:cNvPr id="4" name="Рисунок 3">
-            <a:extLst>
-              <a:ext uri="{FF2B5EF4-FFF2-40B4-BE49-F238E27FC236}">
-                <a16:creationId xmlns:a16="http://schemas.microsoft.com/office/drawing/2014/main" id="{4ECC6B79-9D17-48D1-8B6C-95B6684EF965}"/>
+          <p:cNvPr id="5" name="Рисунок 4">
+            <a:extLst>
+              <a:ext uri="{FF2B5EF4-FFF2-40B4-BE49-F238E27FC236}">
+                <a16:creationId xmlns:a16="http://schemas.microsoft.com/office/drawing/2014/main" id="{99F567B3-CD11-1DD9-7EC9-08EC296EEFB8}"/>
               </a:ext>
             </a:extLst>
           </p:cNvPr>
@@ -4432,14 +4435,78 @@
         </p:blipFill>
         <p:spPr>
           <a:xfrm>
-            <a:off x="2039601" y="680440"/>
-            <a:ext cx="8112797" cy="6131187"/>
+            <a:off x="3333981" y="605209"/>
+            <a:ext cx="8144145" cy="6180042"/>
           </a:xfrm>
           <a:prstGeom prst="rect">
             <a:avLst/>
           </a:prstGeom>
         </p:spPr>
       </p:pic>
+      <p:sp>
+        <p:nvSpPr>
+          <p:cNvPr id="7" name="Объект 2">
+            <a:extLst>
+              <a:ext uri="{FF2B5EF4-FFF2-40B4-BE49-F238E27FC236}">
+                <a16:creationId xmlns:a16="http://schemas.microsoft.com/office/drawing/2014/main" id="{6243ABC8-7C11-4B9A-3943-A9188098FFA3}"/>
+              </a:ext>
+            </a:extLst>
+          </p:cNvPr>
+          <p:cNvSpPr>
+            <a:spLocks noGrp="1"/>
+          </p:cNvSpPr>
+          <p:nvPr>
+            <p:ph idx="1"/>
+          </p:nvPr>
+        </p:nvSpPr>
+        <p:spPr>
+          <a:xfrm>
+            <a:off x="378859" y="2656778"/>
+            <a:ext cx="2688749" cy="2076904"/>
+          </a:xfrm>
+        </p:spPr>
+        <p:txBody>
+          <a:bodyPr>
+            <a:normAutofit/>
+          </a:bodyPr>
+          <a:lstStyle/>
+          <a:p>
+            <a:pPr>
+              <a:buFont typeface="Wingdings" panose="05000000000000000000" pitchFamily="2" charset="2"/>
+              <a:buChar char="ü"/>
+            </a:pPr>
+            <a:r>
+              <a:rPr lang="ru-RU" sz="2200" dirty="0">
+                <a:latin typeface="Times New Roman" panose="02020603050405020304" pitchFamily="18" charset="0"/>
+                <a:cs typeface="Times New Roman" panose="02020603050405020304" pitchFamily="18" charset="0"/>
+              </a:rPr>
+              <a:t>Углы поворота камеры: (0, 0, 0)</a:t>
+            </a:r>
+          </a:p>
+          <a:p>
+            <a:pPr>
+              <a:buFont typeface="Wingdings" panose="05000000000000000000" pitchFamily="2" charset="2"/>
+              <a:buChar char="ü"/>
+            </a:pPr>
+            <a:r>
+              <a:rPr lang="ru-RU" sz="2200" dirty="0">
+                <a:latin typeface="Times New Roman" panose="02020603050405020304" pitchFamily="18" charset="0"/>
+                <a:cs typeface="Times New Roman" panose="02020603050405020304" pitchFamily="18" charset="0"/>
+              </a:rPr>
+              <a:t>Углы поворота источника света: (0, 0, 0)</a:t>
+            </a:r>
+          </a:p>
+          <a:p>
+            <a:pPr marL="0" indent="0">
+              <a:buNone/>
+            </a:pPr>
+            <a:endParaRPr lang="ru-RU" sz="2200" dirty="0">
+              <a:latin typeface="Times New Roman" panose="02020603050405020304" pitchFamily="18" charset="0"/>
+              <a:cs typeface="Times New Roman" panose="02020603050405020304" pitchFamily="18" charset="0"/>
+            </a:endParaRPr>
+          </a:p>
+        </p:txBody>
+      </p:sp>
     </p:spTree>
     <p:extLst>
       <p:ext uri="{BB962C8B-B14F-4D97-AF65-F5344CB8AC3E}">
@@ -4458,7 +4525,13 @@
   <p:cSld>
     <p:spTree>
       <p:nvGrpSpPr>
-        <p:cNvPr id="1" name=""/>
+        <p:cNvPr id="1" name="">
+          <a:extLst>
+            <a:ext uri="{FF2B5EF4-FFF2-40B4-BE49-F238E27FC236}">
+              <a16:creationId xmlns:a16="http://schemas.microsoft.com/office/drawing/2014/main" id="{796B114C-F57C-6167-845F-58378645C9BB}"/>
+            </a:ext>
+          </a:extLst>
+        </p:cNvPr>
         <p:cNvGrpSpPr/>
         <p:nvPr/>
       </p:nvGrpSpPr>
@@ -4475,7 +4548,7 @@
           <p:cNvPr id="2" name="Заголовок 1">
             <a:extLst>
               <a:ext uri="{FF2B5EF4-FFF2-40B4-BE49-F238E27FC236}">
-                <a16:creationId xmlns:a16="http://schemas.microsoft.com/office/drawing/2014/main" id="{1D703D37-F25D-5DEC-C88B-DD5AD1D7622E}"/>
+                <a16:creationId xmlns:a16="http://schemas.microsoft.com/office/drawing/2014/main" id="{2310851D-629B-9BF5-13B1-9A04B1A24419}"/>
               </a:ext>
             </a:extLst>
           </p:cNvPr>
@@ -4488,13 +4561,13 @@
         </p:nvSpPr>
         <p:spPr>
           <a:xfrm>
-            <a:off x="210456" y="18255"/>
-            <a:ext cx="11371944" cy="1325563"/>
+            <a:off x="112485" y="-251732"/>
+            <a:ext cx="10515600" cy="1325563"/>
           </a:xfrm>
         </p:spPr>
         <p:txBody>
           <a:bodyPr>
-            <a:noAutofit/>
+            <a:normAutofit/>
           </a:bodyPr>
           <a:lstStyle/>
           <a:p>
@@ -4503,17 +4576,17 @@
                 <a:latin typeface="Times New Roman" panose="02020603050405020304" pitchFamily="18" charset="0"/>
                 <a:cs typeface="Times New Roman" panose="02020603050405020304" pitchFamily="18" charset="0"/>
               </a:rPr>
-              <a:t>Сравнение времени последовательного и параллельного формирования Z-буфера основного и теневого</a:t>
-            </a:r>
-          </a:p>
-        </p:txBody>
-      </p:sp>
-      <p:sp>
-        <p:nvSpPr>
-          <p:cNvPr id="12" name="Номер слайда 11">
-            <a:extLst>
-              <a:ext uri="{FF2B5EF4-FFF2-40B4-BE49-F238E27FC236}">
-                <a16:creationId xmlns:a16="http://schemas.microsoft.com/office/drawing/2014/main" id="{2C91EFC2-103D-6186-EC2E-D3A94C8CA888}"/>
+              <a:t>Пример интерфейса</a:t>
+            </a:r>
+          </a:p>
+        </p:txBody>
+      </p:sp>
+      <p:sp>
+        <p:nvSpPr>
+          <p:cNvPr id="6" name="Номер слайда 5">
+            <a:extLst>
+              <a:ext uri="{FF2B5EF4-FFF2-40B4-BE49-F238E27FC236}">
+                <a16:creationId xmlns:a16="http://schemas.microsoft.com/office/drawing/2014/main" id="{B3199C39-59FB-78C4-CDF3-56FC07622476}"/>
               </a:ext>
             </a:extLst>
           </p:cNvPr>
@@ -4526,7 +4599,7 @@
         </p:nvSpPr>
         <p:spPr>
           <a:xfrm>
-            <a:off x="9234714" y="6378121"/>
+            <a:off x="9256485" y="6420126"/>
             <a:ext cx="2743200" cy="365125"/>
           </a:xfrm>
         </p:spPr>
@@ -4544,19 +4617,17 @@
       </p:sp>
       <p:pic>
         <p:nvPicPr>
-          <p:cNvPr id="7" name="Объект 6">
-            <a:extLst>
-              <a:ext uri="{FF2B5EF4-FFF2-40B4-BE49-F238E27FC236}">
-                <a16:creationId xmlns:a16="http://schemas.microsoft.com/office/drawing/2014/main" id="{A4C241CC-1B87-4A3A-1BF8-7A1402437F6B}"/>
+          <p:cNvPr id="5" name="Рисунок 4">
+            <a:extLst>
+              <a:ext uri="{FF2B5EF4-FFF2-40B4-BE49-F238E27FC236}">
+                <a16:creationId xmlns:a16="http://schemas.microsoft.com/office/drawing/2014/main" id="{B7448E17-2F5C-AD9F-2F37-AA5E8254FFB5}"/>
               </a:ext>
             </a:extLst>
           </p:cNvPr>
           <p:cNvPicPr>
-            <a:picLocks noGrp="1" noChangeAspect="1"/>
+            <a:picLocks noChangeAspect="1"/>
           </p:cNvPicPr>
-          <p:nvPr>
-            <p:ph idx="1"/>
-          </p:nvPr>
+          <p:nvPr/>
         </p:nvPicPr>
         <p:blipFill>
           <a:blip r:embed="rId2">
@@ -4572,15 +4643,82 @@
         </p:blipFill>
         <p:spPr>
           <a:xfrm>
-            <a:off x="440788" y="1402360"/>
-            <a:ext cx="10911279" cy="5455640"/>
-          </a:xfrm>
+            <a:off x="3292950" y="679197"/>
+            <a:ext cx="8085530" cy="6135563"/>
+          </a:xfrm>
+          <a:prstGeom prst="rect">
+            <a:avLst/>
+          </a:prstGeom>
         </p:spPr>
       </p:pic>
+      <p:sp>
+        <p:nvSpPr>
+          <p:cNvPr id="7" name="Объект 2">
+            <a:extLst>
+              <a:ext uri="{FF2B5EF4-FFF2-40B4-BE49-F238E27FC236}">
+                <a16:creationId xmlns:a16="http://schemas.microsoft.com/office/drawing/2014/main" id="{3E2CF95B-D5C3-0803-95B5-5DC00C5DCDCA}"/>
+              </a:ext>
+            </a:extLst>
+          </p:cNvPr>
+          <p:cNvSpPr>
+            <a:spLocks noGrp="1"/>
+          </p:cNvSpPr>
+          <p:nvPr>
+            <p:ph idx="1"/>
+          </p:nvPr>
+        </p:nvSpPr>
+        <p:spPr>
+          <a:xfrm>
+            <a:off x="378859" y="2656778"/>
+            <a:ext cx="2733618" cy="2076904"/>
+          </a:xfrm>
+        </p:spPr>
+        <p:txBody>
+          <a:bodyPr>
+            <a:normAutofit/>
+          </a:bodyPr>
+          <a:lstStyle/>
+          <a:p>
+            <a:pPr>
+              <a:buFont typeface="Wingdings" panose="05000000000000000000" pitchFamily="2" charset="2"/>
+              <a:buChar char="ü"/>
+            </a:pPr>
+            <a:r>
+              <a:rPr lang="ru-RU" sz="2200" dirty="0">
+                <a:latin typeface="Times New Roman" panose="02020603050405020304" pitchFamily="18" charset="0"/>
+                <a:cs typeface="Times New Roman" panose="02020603050405020304" pitchFamily="18" charset="0"/>
+              </a:rPr>
+              <a:t>Углы поворота камеры: (60, -60, 0)</a:t>
+            </a:r>
+          </a:p>
+          <a:p>
+            <a:pPr>
+              <a:buFont typeface="Wingdings" panose="05000000000000000000" pitchFamily="2" charset="2"/>
+              <a:buChar char="ü"/>
+            </a:pPr>
+            <a:r>
+              <a:rPr lang="ru-RU" sz="2200" dirty="0">
+                <a:latin typeface="Times New Roman" panose="02020603050405020304" pitchFamily="18" charset="0"/>
+                <a:cs typeface="Times New Roman" panose="02020603050405020304" pitchFamily="18" charset="0"/>
+              </a:rPr>
+              <a:t>Углы поворота источника света: (0, 30, 0)</a:t>
+            </a:r>
+          </a:p>
+          <a:p>
+            <a:pPr marL="0" indent="0">
+              <a:buNone/>
+            </a:pPr>
+            <a:endParaRPr lang="ru-RU" sz="2200" dirty="0">
+              <a:latin typeface="Times New Roman" panose="02020603050405020304" pitchFamily="18" charset="0"/>
+              <a:cs typeface="Times New Roman" panose="02020603050405020304" pitchFamily="18" charset="0"/>
+            </a:endParaRPr>
+          </a:p>
+        </p:txBody>
+      </p:sp>
     </p:spTree>
     <p:extLst>
       <p:ext uri="{BB962C8B-B14F-4D97-AF65-F5344CB8AC3E}">
-        <p14:creationId xmlns:p14="http://schemas.microsoft.com/office/powerpoint/2010/main" val="434026603"/>
+        <p14:creationId xmlns:p14="http://schemas.microsoft.com/office/powerpoint/2010/main" val="1510065413"/>
       </p:ext>
     </p:extLst>
   </p:cSld>
@@ -4591,6 +4729,422 @@
 </file>
 
 <file path=ppt/slides/slide13.xml><?xml version="1.0" encoding="utf-8"?>
+<p:sld xmlns:a="http://schemas.openxmlformats.org/drawingml/2006/main" xmlns:r="http://schemas.openxmlformats.org/officeDocument/2006/relationships" xmlns:p="http://schemas.openxmlformats.org/presentationml/2006/main">
+  <p:cSld>
+    <p:spTree>
+      <p:nvGrpSpPr>
+        <p:cNvPr id="1" name="">
+          <a:extLst>
+            <a:ext uri="{FF2B5EF4-FFF2-40B4-BE49-F238E27FC236}">
+              <a16:creationId xmlns:a16="http://schemas.microsoft.com/office/drawing/2014/main" id="{DFC90485-4FDD-5590-11F9-852C56356F0F}"/>
+            </a:ext>
+          </a:extLst>
+        </p:cNvPr>
+        <p:cNvGrpSpPr/>
+        <p:nvPr/>
+      </p:nvGrpSpPr>
+      <p:grpSpPr>
+        <a:xfrm>
+          <a:off x="0" y="0"/>
+          <a:ext cx="0" cy="0"/>
+          <a:chOff x="0" y="0"/>
+          <a:chExt cx="0" cy="0"/>
+        </a:xfrm>
+      </p:grpSpPr>
+      <p:sp>
+        <p:nvSpPr>
+          <p:cNvPr id="2" name="Заголовок 1">
+            <a:extLst>
+              <a:ext uri="{FF2B5EF4-FFF2-40B4-BE49-F238E27FC236}">
+                <a16:creationId xmlns:a16="http://schemas.microsoft.com/office/drawing/2014/main" id="{5C481F18-6569-3978-4193-AB370BD31732}"/>
+              </a:ext>
+            </a:extLst>
+          </p:cNvPr>
+          <p:cNvSpPr>
+            <a:spLocks noGrp="1"/>
+          </p:cNvSpPr>
+          <p:nvPr>
+            <p:ph type="title"/>
+          </p:nvPr>
+        </p:nvSpPr>
+        <p:spPr>
+          <a:xfrm>
+            <a:off x="112485" y="-251732"/>
+            <a:ext cx="10515600" cy="1325563"/>
+          </a:xfrm>
+        </p:spPr>
+        <p:txBody>
+          <a:bodyPr>
+            <a:normAutofit/>
+          </a:bodyPr>
+          <a:lstStyle/>
+          <a:p>
+            <a:r>
+              <a:rPr lang="ru-RU" sz="3600" dirty="0">
+                <a:latin typeface="Times New Roman" panose="02020603050405020304" pitchFamily="18" charset="0"/>
+                <a:cs typeface="Times New Roman" panose="02020603050405020304" pitchFamily="18" charset="0"/>
+              </a:rPr>
+              <a:t>Пример интерфейса</a:t>
+            </a:r>
+          </a:p>
+        </p:txBody>
+      </p:sp>
+      <p:sp>
+        <p:nvSpPr>
+          <p:cNvPr id="6" name="Номер слайда 5">
+            <a:extLst>
+              <a:ext uri="{FF2B5EF4-FFF2-40B4-BE49-F238E27FC236}">
+                <a16:creationId xmlns:a16="http://schemas.microsoft.com/office/drawing/2014/main" id="{CAE5F505-A576-C6A6-1511-C03DABF2430B}"/>
+              </a:ext>
+            </a:extLst>
+          </p:cNvPr>
+          <p:cNvSpPr>
+            <a:spLocks noGrp="1"/>
+          </p:cNvSpPr>
+          <p:nvPr>
+            <p:ph type="sldNum" sz="quarter" idx="12"/>
+          </p:nvPr>
+        </p:nvSpPr>
+        <p:spPr>
+          <a:xfrm>
+            <a:off x="9256485" y="6420126"/>
+            <a:ext cx="2743200" cy="365125"/>
+          </a:xfrm>
+        </p:spPr>
+        <p:txBody>
+          <a:bodyPr/>
+          <a:lstStyle/>
+          <a:p>
+            <a:fld id="{ED0E9F28-6D5B-4033-80BA-57AD3547A55E}" type="slidenum">
+              <a:rPr lang="ru-RU" sz="2200" smtClean="0"/>
+              <a:t>13</a:t>
+            </a:fld>
+            <a:endParaRPr lang="ru-RU" sz="2200" dirty="0"/>
+          </a:p>
+        </p:txBody>
+      </p:sp>
+      <p:pic>
+        <p:nvPicPr>
+          <p:cNvPr id="5" name="Рисунок 4">
+            <a:extLst>
+              <a:ext uri="{FF2B5EF4-FFF2-40B4-BE49-F238E27FC236}">
+                <a16:creationId xmlns:a16="http://schemas.microsoft.com/office/drawing/2014/main" id="{1979F6BB-7CD6-9972-39C5-FA3EF543D8AB}"/>
+              </a:ext>
+            </a:extLst>
+          </p:cNvPr>
+          <p:cNvPicPr>
+            <a:picLocks noChangeAspect="1"/>
+          </p:cNvPicPr>
+          <p:nvPr/>
+        </p:nvPicPr>
+        <p:blipFill>
+          <a:blip r:embed="rId2">
+            <a:extLst>
+              <a:ext uri="{28A0092B-C50C-407E-A947-70E740481C1C}">
+                <a14:useLocalDpi xmlns:a14="http://schemas.microsoft.com/office/drawing/2010/main" val="0"/>
+              </a:ext>
+            </a:extLst>
+          </a:blip>
+          <a:stretch>
+            <a:fillRect/>
+          </a:stretch>
+        </p:blipFill>
+        <p:spPr>
+          <a:xfrm>
+            <a:off x="3323723" y="669703"/>
+            <a:ext cx="8059153" cy="6115548"/>
+          </a:xfrm>
+          <a:prstGeom prst="rect">
+            <a:avLst/>
+          </a:prstGeom>
+        </p:spPr>
+      </p:pic>
+      <p:sp>
+        <p:nvSpPr>
+          <p:cNvPr id="7" name="Объект 2">
+            <a:extLst>
+              <a:ext uri="{FF2B5EF4-FFF2-40B4-BE49-F238E27FC236}">
+                <a16:creationId xmlns:a16="http://schemas.microsoft.com/office/drawing/2014/main" id="{EFF5DB2C-37BA-CB27-DBEC-8EDA4911F6BE}"/>
+              </a:ext>
+            </a:extLst>
+          </p:cNvPr>
+          <p:cNvSpPr>
+            <a:spLocks noGrp="1"/>
+          </p:cNvSpPr>
+          <p:nvPr>
+            <p:ph idx="1"/>
+          </p:nvPr>
+        </p:nvSpPr>
+        <p:spPr>
+          <a:xfrm>
+            <a:off x="378859" y="2656778"/>
+            <a:ext cx="2768787" cy="2076904"/>
+          </a:xfrm>
+        </p:spPr>
+        <p:txBody>
+          <a:bodyPr>
+            <a:normAutofit/>
+          </a:bodyPr>
+          <a:lstStyle/>
+          <a:p>
+            <a:pPr>
+              <a:buFont typeface="Wingdings" panose="05000000000000000000" pitchFamily="2" charset="2"/>
+              <a:buChar char="ü"/>
+            </a:pPr>
+            <a:r>
+              <a:rPr lang="ru-RU" sz="2200" dirty="0">
+                <a:latin typeface="Times New Roman" panose="02020603050405020304" pitchFamily="18" charset="0"/>
+                <a:cs typeface="Times New Roman" panose="02020603050405020304" pitchFamily="18" charset="0"/>
+              </a:rPr>
+              <a:t>Углы поворота камеры: (60, 180, 0)</a:t>
+            </a:r>
+          </a:p>
+          <a:p>
+            <a:pPr>
+              <a:buFont typeface="Wingdings" panose="05000000000000000000" pitchFamily="2" charset="2"/>
+              <a:buChar char="ü"/>
+            </a:pPr>
+            <a:r>
+              <a:rPr lang="ru-RU" sz="2200" dirty="0">
+                <a:latin typeface="Times New Roman" panose="02020603050405020304" pitchFamily="18" charset="0"/>
+                <a:cs typeface="Times New Roman" panose="02020603050405020304" pitchFamily="18" charset="0"/>
+              </a:rPr>
+              <a:t>Углы поворота источника света: (10, 0, 30)</a:t>
+            </a:r>
+          </a:p>
+          <a:p>
+            <a:pPr marL="0" indent="0">
+              <a:buNone/>
+            </a:pPr>
+            <a:endParaRPr lang="ru-RU" sz="2200" dirty="0">
+              <a:latin typeface="Times New Roman" panose="02020603050405020304" pitchFamily="18" charset="0"/>
+              <a:cs typeface="Times New Roman" panose="02020603050405020304" pitchFamily="18" charset="0"/>
+            </a:endParaRPr>
+          </a:p>
+        </p:txBody>
+      </p:sp>
+    </p:spTree>
+    <p:extLst>
+      <p:ext uri="{BB962C8B-B14F-4D97-AF65-F5344CB8AC3E}">
+        <p14:creationId xmlns:p14="http://schemas.microsoft.com/office/powerpoint/2010/main" val="984981103"/>
+      </p:ext>
+    </p:extLst>
+  </p:cSld>
+  <p:clrMapOvr>
+    <a:masterClrMapping/>
+  </p:clrMapOvr>
+</p:sld>
+</file>
+
+<file path=ppt/slides/slide14.xml><?xml version="1.0" encoding="utf-8"?>
+<p:sld xmlns:a="http://schemas.openxmlformats.org/drawingml/2006/main" xmlns:r="http://schemas.openxmlformats.org/officeDocument/2006/relationships" xmlns:p="http://schemas.openxmlformats.org/presentationml/2006/main">
+  <p:cSld>
+    <p:spTree>
+      <p:nvGrpSpPr>
+        <p:cNvPr id="1" name="">
+          <a:extLst>
+            <a:ext uri="{FF2B5EF4-FFF2-40B4-BE49-F238E27FC236}">
+              <a16:creationId xmlns:a16="http://schemas.microsoft.com/office/drawing/2014/main" id="{7C964798-D419-975B-1B30-CBCF9A42B647}"/>
+            </a:ext>
+          </a:extLst>
+        </p:cNvPr>
+        <p:cNvGrpSpPr/>
+        <p:nvPr/>
+      </p:nvGrpSpPr>
+      <p:grpSpPr>
+        <a:xfrm>
+          <a:off x="0" y="0"/>
+          <a:ext cx="0" cy="0"/>
+          <a:chOff x="0" y="0"/>
+          <a:chExt cx="0" cy="0"/>
+        </a:xfrm>
+      </p:grpSpPr>
+      <p:sp>
+        <p:nvSpPr>
+          <p:cNvPr id="2" name="Заголовок 1">
+            <a:extLst>
+              <a:ext uri="{FF2B5EF4-FFF2-40B4-BE49-F238E27FC236}">
+                <a16:creationId xmlns:a16="http://schemas.microsoft.com/office/drawing/2014/main" id="{650327D6-25B8-4C73-6031-9A7375C39785}"/>
+              </a:ext>
+            </a:extLst>
+          </p:cNvPr>
+          <p:cNvSpPr>
+            <a:spLocks noGrp="1"/>
+          </p:cNvSpPr>
+          <p:nvPr>
+            <p:ph type="title"/>
+          </p:nvPr>
+        </p:nvSpPr>
+        <p:spPr>
+          <a:xfrm>
+            <a:off x="112485" y="-251732"/>
+            <a:ext cx="10515600" cy="1325563"/>
+          </a:xfrm>
+        </p:spPr>
+        <p:txBody>
+          <a:bodyPr>
+            <a:normAutofit/>
+          </a:bodyPr>
+          <a:lstStyle/>
+          <a:p>
+            <a:r>
+              <a:rPr lang="ru-RU" sz="3600" dirty="0">
+                <a:latin typeface="Times New Roman" panose="02020603050405020304" pitchFamily="18" charset="0"/>
+                <a:cs typeface="Times New Roman" panose="02020603050405020304" pitchFamily="18" charset="0"/>
+              </a:rPr>
+              <a:t>Пример интерфейса</a:t>
+            </a:r>
+          </a:p>
+        </p:txBody>
+      </p:sp>
+      <p:sp>
+        <p:nvSpPr>
+          <p:cNvPr id="6" name="Номер слайда 5">
+            <a:extLst>
+              <a:ext uri="{FF2B5EF4-FFF2-40B4-BE49-F238E27FC236}">
+                <a16:creationId xmlns:a16="http://schemas.microsoft.com/office/drawing/2014/main" id="{0A3E8921-A4A6-D782-BDD5-17ECDCBA5D36}"/>
+              </a:ext>
+            </a:extLst>
+          </p:cNvPr>
+          <p:cNvSpPr>
+            <a:spLocks noGrp="1"/>
+          </p:cNvSpPr>
+          <p:nvPr>
+            <p:ph type="sldNum" sz="quarter" idx="12"/>
+          </p:nvPr>
+        </p:nvSpPr>
+        <p:spPr>
+          <a:xfrm>
+            <a:off x="9256485" y="6420126"/>
+            <a:ext cx="2743200" cy="365125"/>
+          </a:xfrm>
+        </p:spPr>
+        <p:txBody>
+          <a:bodyPr/>
+          <a:lstStyle/>
+          <a:p>
+            <a:fld id="{ED0E9F28-6D5B-4033-80BA-57AD3547A55E}" type="slidenum">
+              <a:rPr lang="ru-RU" sz="2200" smtClean="0"/>
+              <a:t>14</a:t>
+            </a:fld>
+            <a:endParaRPr lang="ru-RU" sz="2200" dirty="0"/>
+          </a:p>
+        </p:txBody>
+      </p:sp>
+      <p:pic>
+        <p:nvPicPr>
+          <p:cNvPr id="4" name="Рисунок 3">
+            <a:extLst>
+              <a:ext uri="{FF2B5EF4-FFF2-40B4-BE49-F238E27FC236}">
+                <a16:creationId xmlns:a16="http://schemas.microsoft.com/office/drawing/2014/main" id="{0BEFF54E-4F6E-F6B1-AB50-4B07646D445D}"/>
+              </a:ext>
+            </a:extLst>
+          </p:cNvPr>
+          <p:cNvPicPr>
+            <a:picLocks noChangeAspect="1"/>
+          </p:cNvPicPr>
+          <p:nvPr/>
+        </p:nvPicPr>
+        <p:blipFill>
+          <a:blip r:embed="rId2">
+            <a:extLst>
+              <a:ext uri="{28A0092B-C50C-407E-A947-70E740481C1C}">
+                <a14:useLocalDpi xmlns:a14="http://schemas.microsoft.com/office/drawing/2010/main" val="0"/>
+              </a:ext>
+            </a:extLst>
+          </a:blip>
+          <a:stretch>
+            <a:fillRect/>
+          </a:stretch>
+        </p:blipFill>
+        <p:spPr>
+          <a:xfrm>
+            <a:off x="3402623" y="676973"/>
+            <a:ext cx="8091391" cy="6140011"/>
+          </a:xfrm>
+          <a:prstGeom prst="rect">
+            <a:avLst/>
+          </a:prstGeom>
+        </p:spPr>
+      </p:pic>
+      <p:sp>
+        <p:nvSpPr>
+          <p:cNvPr id="7" name="Объект 2">
+            <a:extLst>
+              <a:ext uri="{FF2B5EF4-FFF2-40B4-BE49-F238E27FC236}">
+                <a16:creationId xmlns:a16="http://schemas.microsoft.com/office/drawing/2014/main" id="{4B2C0116-E369-9B9C-D31C-D8564A3B10BD}"/>
+              </a:ext>
+            </a:extLst>
+          </p:cNvPr>
+          <p:cNvSpPr>
+            <a:spLocks noGrp="1"/>
+          </p:cNvSpPr>
+          <p:nvPr>
+            <p:ph idx="1"/>
+          </p:nvPr>
+        </p:nvSpPr>
+        <p:spPr>
+          <a:xfrm>
+            <a:off x="378859" y="2656778"/>
+            <a:ext cx="2688749" cy="2076904"/>
+          </a:xfrm>
+        </p:spPr>
+        <p:txBody>
+          <a:bodyPr>
+            <a:normAutofit/>
+          </a:bodyPr>
+          <a:lstStyle/>
+          <a:p>
+            <a:pPr>
+              <a:buFont typeface="Wingdings" panose="05000000000000000000" pitchFamily="2" charset="2"/>
+              <a:buChar char="ü"/>
+            </a:pPr>
+            <a:r>
+              <a:rPr lang="ru-RU" sz="2200" dirty="0">
+                <a:latin typeface="Times New Roman" panose="02020603050405020304" pitchFamily="18" charset="0"/>
+                <a:cs typeface="Times New Roman" panose="02020603050405020304" pitchFamily="18" charset="0"/>
+              </a:rPr>
+              <a:t>Углы поворота камеры: (30, 0, 0)</a:t>
+            </a:r>
+          </a:p>
+          <a:p>
+            <a:pPr>
+              <a:buFont typeface="Wingdings" panose="05000000000000000000" pitchFamily="2" charset="2"/>
+              <a:buChar char="ü"/>
+            </a:pPr>
+            <a:r>
+              <a:rPr lang="ru-RU" sz="2200" dirty="0">
+                <a:latin typeface="Times New Roman" panose="02020603050405020304" pitchFamily="18" charset="0"/>
+                <a:cs typeface="Times New Roman" panose="02020603050405020304" pitchFamily="18" charset="0"/>
+              </a:rPr>
+              <a:t>Углы поворота источника света: (60, 0, 0)</a:t>
+            </a:r>
+          </a:p>
+          <a:p>
+            <a:pPr marL="0" indent="0">
+              <a:buNone/>
+            </a:pPr>
+            <a:endParaRPr lang="ru-RU" sz="2200" dirty="0">
+              <a:latin typeface="Times New Roman" panose="02020603050405020304" pitchFamily="18" charset="0"/>
+              <a:cs typeface="Times New Roman" panose="02020603050405020304" pitchFamily="18" charset="0"/>
+            </a:endParaRPr>
+          </a:p>
+        </p:txBody>
+      </p:sp>
+    </p:spTree>
+    <p:extLst>
+      <p:ext uri="{BB962C8B-B14F-4D97-AF65-F5344CB8AC3E}">
+        <p14:creationId xmlns:p14="http://schemas.microsoft.com/office/powerpoint/2010/main" val="2160934176"/>
+      </p:ext>
+    </p:extLst>
+  </p:cSld>
+  <p:clrMapOvr>
+    <a:masterClrMapping/>
+  </p:clrMapOvr>
+</p:sld>
+</file>
+
+<file path=ppt/slides/slide15.xml><?xml version="1.0" encoding="utf-8"?>
 <p:sld xmlns:a="http://schemas.openxmlformats.org/drawingml/2006/main" xmlns:r="http://schemas.openxmlformats.org/officeDocument/2006/relationships" xmlns:p="http://schemas.openxmlformats.org/presentationml/2006/main">
   <p:cSld>
     <p:spTree>
@@ -4612,6 +5166,143 @@
           <p:cNvPr id="2" name="Заголовок 1">
             <a:extLst>
               <a:ext uri="{FF2B5EF4-FFF2-40B4-BE49-F238E27FC236}">
+                <a16:creationId xmlns:a16="http://schemas.microsoft.com/office/drawing/2014/main" id="{1D703D37-F25D-5DEC-C88B-DD5AD1D7622E}"/>
+              </a:ext>
+            </a:extLst>
+          </p:cNvPr>
+          <p:cNvSpPr>
+            <a:spLocks noGrp="1"/>
+          </p:cNvSpPr>
+          <p:nvPr>
+            <p:ph type="title"/>
+          </p:nvPr>
+        </p:nvSpPr>
+        <p:spPr>
+          <a:xfrm>
+            <a:off x="210456" y="18255"/>
+            <a:ext cx="11371944" cy="1325563"/>
+          </a:xfrm>
+        </p:spPr>
+        <p:txBody>
+          <a:bodyPr>
+            <a:noAutofit/>
+          </a:bodyPr>
+          <a:lstStyle/>
+          <a:p>
+            <a:r>
+              <a:rPr lang="ru-RU" sz="3600" dirty="0">
+                <a:latin typeface="Times New Roman" panose="02020603050405020304" pitchFamily="18" charset="0"/>
+                <a:cs typeface="Times New Roman" panose="02020603050405020304" pitchFamily="18" charset="0"/>
+              </a:rPr>
+              <a:t>Сравнение времени последовательного и параллельного формирования Z-буфера основного и теневого</a:t>
+            </a:r>
+          </a:p>
+        </p:txBody>
+      </p:sp>
+      <p:sp>
+        <p:nvSpPr>
+          <p:cNvPr id="12" name="Номер слайда 11">
+            <a:extLst>
+              <a:ext uri="{FF2B5EF4-FFF2-40B4-BE49-F238E27FC236}">
+                <a16:creationId xmlns:a16="http://schemas.microsoft.com/office/drawing/2014/main" id="{2C91EFC2-103D-6186-EC2E-D3A94C8CA888}"/>
+              </a:ext>
+            </a:extLst>
+          </p:cNvPr>
+          <p:cNvSpPr>
+            <a:spLocks noGrp="1"/>
+          </p:cNvSpPr>
+          <p:nvPr>
+            <p:ph type="sldNum" sz="quarter" idx="12"/>
+          </p:nvPr>
+        </p:nvSpPr>
+        <p:spPr>
+          <a:xfrm>
+            <a:off x="9234714" y="6378121"/>
+            <a:ext cx="2743200" cy="365125"/>
+          </a:xfrm>
+        </p:spPr>
+        <p:txBody>
+          <a:bodyPr/>
+          <a:lstStyle/>
+          <a:p>
+            <a:fld id="{ED0E9F28-6D5B-4033-80BA-57AD3547A55E}" type="slidenum">
+              <a:rPr lang="ru-RU" sz="2200" smtClean="0"/>
+              <a:t>15</a:t>
+            </a:fld>
+            <a:endParaRPr lang="ru-RU" sz="2200" dirty="0"/>
+          </a:p>
+        </p:txBody>
+      </p:sp>
+      <p:pic>
+        <p:nvPicPr>
+          <p:cNvPr id="7" name="Объект 6">
+            <a:extLst>
+              <a:ext uri="{FF2B5EF4-FFF2-40B4-BE49-F238E27FC236}">
+                <a16:creationId xmlns:a16="http://schemas.microsoft.com/office/drawing/2014/main" id="{A4C241CC-1B87-4A3A-1BF8-7A1402437F6B}"/>
+              </a:ext>
+            </a:extLst>
+          </p:cNvPr>
+          <p:cNvPicPr>
+            <a:picLocks noGrp="1" noChangeAspect="1"/>
+          </p:cNvPicPr>
+          <p:nvPr>
+            <p:ph idx="1"/>
+          </p:nvPr>
+        </p:nvPicPr>
+        <p:blipFill>
+          <a:blip r:embed="rId2">
+            <a:extLst>
+              <a:ext uri="{28A0092B-C50C-407E-A947-70E740481C1C}">
+                <a14:useLocalDpi xmlns:a14="http://schemas.microsoft.com/office/drawing/2010/main" val="0"/>
+              </a:ext>
+            </a:extLst>
+          </a:blip>
+          <a:stretch>
+            <a:fillRect/>
+          </a:stretch>
+        </p:blipFill>
+        <p:spPr>
+          <a:xfrm>
+            <a:off x="440788" y="1402360"/>
+            <a:ext cx="10911279" cy="5455640"/>
+          </a:xfrm>
+        </p:spPr>
+      </p:pic>
+    </p:spTree>
+    <p:extLst>
+      <p:ext uri="{BB962C8B-B14F-4D97-AF65-F5344CB8AC3E}">
+        <p14:creationId xmlns:p14="http://schemas.microsoft.com/office/powerpoint/2010/main" val="434026603"/>
+      </p:ext>
+    </p:extLst>
+  </p:cSld>
+  <p:clrMapOvr>
+    <a:masterClrMapping/>
+  </p:clrMapOvr>
+</p:sld>
+</file>
+
+<file path=ppt/slides/slide16.xml><?xml version="1.0" encoding="utf-8"?>
+<p:sld xmlns:a="http://schemas.openxmlformats.org/drawingml/2006/main" xmlns:r="http://schemas.openxmlformats.org/officeDocument/2006/relationships" xmlns:p="http://schemas.openxmlformats.org/presentationml/2006/main">
+  <p:cSld>
+    <p:spTree>
+      <p:nvGrpSpPr>
+        <p:cNvPr id="1" name=""/>
+        <p:cNvGrpSpPr/>
+        <p:nvPr/>
+      </p:nvGrpSpPr>
+      <p:grpSpPr>
+        <a:xfrm>
+          <a:off x="0" y="0"/>
+          <a:ext cx="0" cy="0"/>
+          <a:chOff x="0" y="0"/>
+          <a:chExt cx="0" cy="0"/>
+        </a:xfrm>
+      </p:grpSpPr>
+      <p:sp>
+        <p:nvSpPr>
+          <p:cNvPr id="2" name="Заголовок 1">
+            <a:extLst>
+              <a:ext uri="{FF2B5EF4-FFF2-40B4-BE49-F238E27FC236}">
                 <a16:creationId xmlns:a16="http://schemas.microsoft.com/office/drawing/2014/main" id="{3D270DC7-FE85-237B-C4BD-8B7E49EAFB14}"/>
               </a:ext>
             </a:extLst>
@@ -4863,7 +5554,7 @@
           <a:p>
             <a:fld id="{ED0E9F28-6D5B-4033-80BA-57AD3547A55E}" type="slidenum">
               <a:rPr lang="ru-RU" sz="2200" smtClean="0"/>
-              <a:t>13</a:t>
+              <a:t>16</a:t>
             </a:fld>
             <a:endParaRPr lang="ru-RU" sz="2200" dirty="0"/>
           </a:p>
@@ -6796,10 +7487,10 @@
       </p:sp>
       <p:pic>
         <p:nvPicPr>
-          <p:cNvPr id="4" name="Рисунок 3">
-            <a:extLst>
-              <a:ext uri="{FF2B5EF4-FFF2-40B4-BE49-F238E27FC236}">
-                <a16:creationId xmlns:a16="http://schemas.microsoft.com/office/drawing/2014/main" id="{98C4D2CB-EB2A-CCD9-A416-C774FA7D1263}"/>
+          <p:cNvPr id="5" name="Рисунок 4">
+            <a:extLst>
+              <a:ext uri="{FF2B5EF4-FFF2-40B4-BE49-F238E27FC236}">
+                <a16:creationId xmlns:a16="http://schemas.microsoft.com/office/drawing/2014/main" id="{7CDCF296-C2AB-A591-AD64-50B9717E98A0}"/>
               </a:ext>
             </a:extLst>
           </p:cNvPr>
@@ -6822,8 +7513,8 @@
         </p:blipFill>
         <p:spPr>
           <a:xfrm>
-            <a:off x="4576160" y="0"/>
-            <a:ext cx="6751067" cy="6858000"/>
+            <a:off x="5513294" y="196065"/>
+            <a:ext cx="6500906" cy="6603877"/>
           </a:xfrm>
           <a:prstGeom prst="rect">
             <a:avLst/>

--- a/presentation/ИУ7-55Б-Талышева-Олеся-презентация-КГ.pptx
+++ b/presentation/ИУ7-55Б-Талышева-Олеся-презентация-КГ.pptx
@@ -5,10 +5,10 @@
     <p:sldMasterId id="2147483648" r:id="rId1"/>
   </p:sldMasterIdLst>
   <p:notesMasterIdLst>
-    <p:notesMasterId r:id="rId18"/>
+    <p:notesMasterId r:id="rId15"/>
   </p:notesMasterIdLst>
   <p:handoutMasterIdLst>
-    <p:handoutMasterId r:id="rId19"/>
+    <p:handoutMasterId r:id="rId16"/>
   </p:handoutMasterIdLst>
   <p:sldIdLst>
     <p:sldId id="256" r:id="rId2"/>
@@ -20,13 +20,10 @@
     <p:sldId id="263" r:id="rId8"/>
     <p:sldId id="262" r:id="rId9"/>
     <p:sldId id="265" r:id="rId10"/>
-    <p:sldId id="266" r:id="rId11"/>
-    <p:sldId id="271" r:id="rId12"/>
-    <p:sldId id="272" r:id="rId13"/>
-    <p:sldId id="273" r:id="rId14"/>
-    <p:sldId id="274" r:id="rId15"/>
-    <p:sldId id="268" r:id="rId16"/>
-    <p:sldId id="269" r:id="rId17"/>
+    <p:sldId id="271" r:id="rId11"/>
+    <p:sldId id="274" r:id="rId12"/>
+    <p:sldId id="268" r:id="rId13"/>
+    <p:sldId id="269" r:id="rId14"/>
   </p:sldIdLst>
   <p:sldSz cx="12192000" cy="6858000"/>
   <p:notesSz cx="6858000" cy="9144000"/>
@@ -227,7 +224,7 @@
           <a:p>
             <a:fld id="{0DA546AC-5A6D-4588-AFF0-C320125423CA}" type="datetimeFigureOut">
               <a:rPr lang="ru-RU" smtClean="0"/>
-              <a:t>16.12.2024</a:t>
+              <a:t>19.12.2024</a:t>
             </a:fld>
             <a:endParaRPr lang="ru-RU"/>
           </a:p>
@@ -405,7 +402,7 @@
           <a:p>
             <a:fld id="{066777D4-AA9D-4D16-9CE3-C8B2E32958BA}" type="datetimeFigureOut">
               <a:rPr lang="ru-RU" smtClean="0"/>
-              <a:t>16.12.2024</a:t>
+              <a:t>19.12.2024</a:t>
             </a:fld>
             <a:endParaRPr lang="ru-RU"/>
           </a:p>
@@ -820,7 +817,7 @@
           <a:p>
             <a:fld id="{11568F1D-E21A-455D-93AB-4446A310AF39}" type="datetime1">
               <a:rPr lang="ru-RU" smtClean="0"/>
-              <a:t>16.12.2024</a:t>
+              <a:t>19.12.2024</a:t>
             </a:fld>
             <a:endParaRPr lang="ru-RU"/>
           </a:p>
@@ -1018,7 +1015,7 @@
           <a:p>
             <a:fld id="{5BEC8965-A769-470D-AAFD-657E060016EC}" type="datetime1">
               <a:rPr lang="ru-RU" smtClean="0"/>
-              <a:t>16.12.2024</a:t>
+              <a:t>19.12.2024</a:t>
             </a:fld>
             <a:endParaRPr lang="ru-RU"/>
           </a:p>
@@ -1226,7 +1223,7 @@
           <a:p>
             <a:fld id="{48B96F8B-7DE3-4196-BC91-EC09CB948CD7}" type="datetime1">
               <a:rPr lang="ru-RU" smtClean="0"/>
-              <a:t>16.12.2024</a:t>
+              <a:t>19.12.2024</a:t>
             </a:fld>
             <a:endParaRPr lang="ru-RU"/>
           </a:p>
@@ -1424,7 +1421,7 @@
           <a:p>
             <a:fld id="{E0F26BEC-96FE-4F36-8B9C-B4AC3791791B}" type="datetime1">
               <a:rPr lang="ru-RU" smtClean="0"/>
-              <a:t>16.12.2024</a:t>
+              <a:t>19.12.2024</a:t>
             </a:fld>
             <a:endParaRPr lang="ru-RU"/>
           </a:p>
@@ -1699,7 +1696,7 @@
           <a:p>
             <a:fld id="{8A08ECE6-86B4-4413-8D56-73562050E5EA}" type="datetime1">
               <a:rPr lang="ru-RU" smtClean="0"/>
-              <a:t>16.12.2024</a:t>
+              <a:t>19.12.2024</a:t>
             </a:fld>
             <a:endParaRPr lang="ru-RU"/>
           </a:p>
@@ -1964,7 +1961,7 @@
           <a:p>
             <a:fld id="{0807F507-BF70-41B3-9847-1B409AA387DF}" type="datetime1">
               <a:rPr lang="ru-RU" smtClean="0"/>
-              <a:t>16.12.2024</a:t>
+              <a:t>19.12.2024</a:t>
             </a:fld>
             <a:endParaRPr lang="ru-RU"/>
           </a:p>
@@ -2376,7 +2373,7 @@
           <a:p>
             <a:fld id="{C977EFFB-2B49-4227-90C1-14AD36CDB185}" type="datetime1">
               <a:rPr lang="ru-RU" smtClean="0"/>
-              <a:t>16.12.2024</a:t>
+              <a:t>19.12.2024</a:t>
             </a:fld>
             <a:endParaRPr lang="ru-RU"/>
           </a:p>
@@ -2517,7 +2514,7 @@
           <a:p>
             <a:fld id="{6701B402-AFA4-4EE2-89C3-3477E18027E6}" type="datetime1">
               <a:rPr lang="ru-RU" smtClean="0"/>
-              <a:t>16.12.2024</a:t>
+              <a:t>19.12.2024</a:t>
             </a:fld>
             <a:endParaRPr lang="ru-RU"/>
           </a:p>
@@ -2630,7 +2627,7 @@
           <a:p>
             <a:fld id="{69B18D17-8A7C-40D5-AAAC-B9794CF470D4}" type="datetime1">
               <a:rPr lang="ru-RU" smtClean="0"/>
-              <a:t>16.12.2024</a:t>
+              <a:t>19.12.2024</a:t>
             </a:fld>
             <a:endParaRPr lang="ru-RU"/>
           </a:p>
@@ -2941,7 +2938,7 @@
           <a:p>
             <a:fld id="{F4E0A172-6C39-4376-AE7F-AF20130B4149}" type="datetime1">
               <a:rPr lang="ru-RU" smtClean="0"/>
-              <a:t>16.12.2024</a:t>
+              <a:t>19.12.2024</a:t>
             </a:fld>
             <a:endParaRPr lang="ru-RU"/>
           </a:p>
@@ -3229,7 +3226,7 @@
           <a:p>
             <a:fld id="{76C39916-03B7-4CAE-9994-C64FD764AF70}" type="datetime1">
               <a:rPr lang="ru-RU" smtClean="0"/>
-              <a:t>16.12.2024</a:t>
+              <a:t>19.12.2024</a:t>
             </a:fld>
             <a:endParaRPr lang="ru-RU"/>
           </a:p>
@@ -3470,7 +3467,7 @@
           <a:p>
             <a:fld id="{F54EB54C-B518-4A0B-82B5-1AC21EB5362B}" type="datetime1">
               <a:rPr lang="ru-RU" smtClean="0"/>
-              <a:t>16.12.2024</a:t>
+              <a:t>19.12.2024</a:t>
             </a:fld>
             <a:endParaRPr lang="ru-RU"/>
           </a:p>
@@ -4031,7 +4028,7 @@
         </p:blipFill>
         <p:spPr>
           <a:xfrm>
-            <a:off x="429672" y="182137"/>
+            <a:off x="491218" y="525037"/>
             <a:ext cx="1316538" cy="1488585"/>
           </a:xfrm>
           <a:prstGeom prst="rect">
@@ -4053,7 +4050,7 @@
         </p:nvSpPr>
         <p:spPr>
           <a:xfrm>
-            <a:off x="2642911" y="221643"/>
+            <a:off x="2704457" y="564543"/>
             <a:ext cx="7730001" cy="1569660"/>
           </a:xfrm>
           <a:prstGeom prst="rect">
@@ -4146,173 +4143,6 @@
 </file>
 
 <file path=ppt/slides/slide10.xml><?xml version="1.0" encoding="utf-8"?>
-<p:sld xmlns:a="http://schemas.openxmlformats.org/drawingml/2006/main" xmlns:r="http://schemas.openxmlformats.org/officeDocument/2006/relationships" xmlns:p="http://schemas.openxmlformats.org/presentationml/2006/main">
-  <p:cSld>
-    <p:spTree>
-      <p:nvGrpSpPr>
-        <p:cNvPr id="1" name=""/>
-        <p:cNvGrpSpPr/>
-        <p:nvPr/>
-      </p:nvGrpSpPr>
-      <p:grpSpPr>
-        <a:xfrm>
-          <a:off x="0" y="0"/>
-          <a:ext cx="0" cy="0"/>
-          <a:chOff x="0" y="0"/>
-          <a:chExt cx="0" cy="0"/>
-        </a:xfrm>
-      </p:grpSpPr>
-      <p:sp>
-        <p:nvSpPr>
-          <p:cNvPr id="2" name="Заголовок 1">
-            <a:extLst>
-              <a:ext uri="{FF2B5EF4-FFF2-40B4-BE49-F238E27FC236}">
-                <a16:creationId xmlns:a16="http://schemas.microsoft.com/office/drawing/2014/main" id="{1B6DAFD7-A4BE-5FCE-CC52-3F3753B9DA9B}"/>
-              </a:ext>
-            </a:extLst>
-          </p:cNvPr>
-          <p:cNvSpPr>
-            <a:spLocks noGrp="1"/>
-          </p:cNvSpPr>
-          <p:nvPr>
-            <p:ph type="title"/>
-          </p:nvPr>
-        </p:nvSpPr>
-        <p:spPr>
-          <a:xfrm>
-            <a:off x="105228" y="-108857"/>
-            <a:ext cx="10515600" cy="1325563"/>
-          </a:xfrm>
-        </p:spPr>
-        <p:txBody>
-          <a:bodyPr>
-            <a:normAutofit/>
-          </a:bodyPr>
-          <a:lstStyle/>
-          <a:p>
-            <a:r>
-              <a:rPr lang="ru-RU" sz="3600" dirty="0">
-                <a:latin typeface="Times New Roman" panose="02020603050405020304" pitchFamily="18" charset="0"/>
-                <a:cs typeface="Times New Roman" panose="02020603050405020304" pitchFamily="18" charset="0"/>
-              </a:rPr>
-              <a:t>Средства реализации</a:t>
-            </a:r>
-          </a:p>
-        </p:txBody>
-      </p:sp>
-      <p:sp>
-        <p:nvSpPr>
-          <p:cNvPr id="3" name="Объект 2">
-            <a:extLst>
-              <a:ext uri="{FF2B5EF4-FFF2-40B4-BE49-F238E27FC236}">
-                <a16:creationId xmlns:a16="http://schemas.microsoft.com/office/drawing/2014/main" id="{E4E256DD-2307-84DB-C54A-1483E3E0FC52}"/>
-              </a:ext>
-            </a:extLst>
-          </p:cNvPr>
-          <p:cNvSpPr>
-            <a:spLocks noGrp="1"/>
-          </p:cNvSpPr>
-          <p:nvPr>
-            <p:ph idx="1"/>
-          </p:nvPr>
-        </p:nvSpPr>
-        <p:spPr>
-          <a:xfrm>
-            <a:off x="751114" y="2609396"/>
-            <a:ext cx="10515600" cy="4351338"/>
-          </a:xfrm>
-        </p:spPr>
-        <p:txBody>
-          <a:bodyPr>
-            <a:normAutofit/>
-          </a:bodyPr>
-          <a:lstStyle/>
-          <a:p>
-            <a:r>
-              <a:rPr lang="ru-RU" sz="2200" dirty="0">
-                <a:latin typeface="Times New Roman" panose="02020603050405020304" pitchFamily="18" charset="0"/>
-                <a:cs typeface="Times New Roman" panose="02020603050405020304" pitchFamily="18" charset="0"/>
-              </a:rPr>
-              <a:t>Язык: </a:t>
-            </a:r>
-            <a:r>
-              <a:rPr lang="en-US" sz="2200" dirty="0">
-                <a:latin typeface="Times New Roman" panose="02020603050405020304" pitchFamily="18" charset="0"/>
-                <a:cs typeface="Times New Roman" panose="02020603050405020304" pitchFamily="18" charset="0"/>
-              </a:rPr>
-              <a:t>Python</a:t>
-            </a:r>
-          </a:p>
-          <a:p>
-            <a:r>
-              <a:rPr lang="ru-RU" sz="2200" dirty="0">
-                <a:latin typeface="Times New Roman" panose="02020603050405020304" pitchFamily="18" charset="0"/>
-                <a:cs typeface="Times New Roman" panose="02020603050405020304" pitchFamily="18" charset="0"/>
-              </a:rPr>
-              <a:t>Среда разработки: </a:t>
-            </a:r>
-            <a:r>
-              <a:rPr lang="en-US" sz="2200" dirty="0">
-                <a:latin typeface="Times New Roman" panose="02020603050405020304" pitchFamily="18" charset="0"/>
-                <a:cs typeface="Times New Roman" panose="02020603050405020304" pitchFamily="18" charset="0"/>
-              </a:rPr>
-              <a:t>Visual Studio Code</a:t>
-            </a:r>
-            <a:endParaRPr lang="ru-RU" sz="2200" dirty="0">
-              <a:latin typeface="Times New Roman" panose="02020603050405020304" pitchFamily="18" charset="0"/>
-              <a:cs typeface="Times New Roman" panose="02020603050405020304" pitchFamily="18" charset="0"/>
-            </a:endParaRPr>
-          </a:p>
-        </p:txBody>
-      </p:sp>
-      <p:sp>
-        <p:nvSpPr>
-          <p:cNvPr id="4" name="Номер слайда 3">
-            <a:extLst>
-              <a:ext uri="{FF2B5EF4-FFF2-40B4-BE49-F238E27FC236}">
-                <a16:creationId xmlns:a16="http://schemas.microsoft.com/office/drawing/2014/main" id="{CD1A1042-8A9E-DE66-1F1C-C6C0574B9079}"/>
-              </a:ext>
-            </a:extLst>
-          </p:cNvPr>
-          <p:cNvSpPr>
-            <a:spLocks noGrp="1"/>
-          </p:cNvSpPr>
-          <p:nvPr>
-            <p:ph type="sldNum" sz="quarter" idx="12"/>
-          </p:nvPr>
-        </p:nvSpPr>
-        <p:spPr>
-          <a:xfrm>
-            <a:off x="9249228" y="6407150"/>
-            <a:ext cx="2743200" cy="365125"/>
-          </a:xfrm>
-        </p:spPr>
-        <p:txBody>
-          <a:bodyPr/>
-          <a:lstStyle/>
-          <a:p>
-            <a:fld id="{ED0E9F28-6D5B-4033-80BA-57AD3547A55E}" type="slidenum">
-              <a:rPr lang="ru-RU" sz="2200" smtClean="0"/>
-              <a:t>10</a:t>
-            </a:fld>
-            <a:endParaRPr lang="ru-RU" sz="2200" dirty="0"/>
-          </a:p>
-        </p:txBody>
-      </p:sp>
-    </p:spTree>
-    <p:extLst>
-      <p:ext uri="{BB962C8B-B14F-4D97-AF65-F5344CB8AC3E}">
-        <p14:creationId xmlns:p14="http://schemas.microsoft.com/office/powerpoint/2010/main" val="1576355449"/>
-      </p:ext>
-    </p:extLst>
-  </p:cSld>
-  <p:clrMapOvr>
-    <a:masterClrMapping/>
-  </p:clrMapOvr>
-</p:sld>
-</file>
-
-<file path=ppt/slides/slide11.xml><?xml version="1.0" encoding="utf-8"?>
 <p:sld xmlns:a="http://schemas.openxmlformats.org/drawingml/2006/main" xmlns:r="http://schemas.openxmlformats.org/officeDocument/2006/relationships" xmlns:p="http://schemas.openxmlformats.org/presentationml/2006/main">
   <p:cSld>
     <p:spTree>
@@ -4353,8 +4183,8 @@
         </p:nvSpPr>
         <p:spPr>
           <a:xfrm>
-            <a:off x="112485" y="-251732"/>
-            <a:ext cx="10515600" cy="1325563"/>
+            <a:off x="8924982" y="489088"/>
+            <a:ext cx="2773378" cy="1325563"/>
           </a:xfrm>
         </p:spPr>
         <p:txBody>
@@ -4364,7 +4194,7 @@
           <a:lstStyle/>
           <a:p>
             <a:r>
-              <a:rPr lang="ru-RU" sz="3600" dirty="0">
+              <a:rPr lang="ru-RU" sz="3600" b="1" dirty="0">
                 <a:latin typeface="Times New Roman" panose="02020603050405020304" pitchFamily="18" charset="0"/>
                 <a:cs typeface="Times New Roman" panose="02020603050405020304" pitchFamily="18" charset="0"/>
               </a:rPr>
@@ -4401,7 +4231,7 @@
           <a:p>
             <a:fld id="{ED0E9F28-6D5B-4033-80BA-57AD3547A55E}" type="slidenum">
               <a:rPr lang="ru-RU" sz="2200" smtClean="0"/>
-              <a:t>11</a:t>
+              <a:t>10</a:t>
             </a:fld>
             <a:endParaRPr lang="ru-RU" sz="2200" dirty="0"/>
           </a:p>
@@ -4435,8 +4265,8 @@
         </p:blipFill>
         <p:spPr>
           <a:xfrm>
-            <a:off x="3333981" y="605209"/>
-            <a:ext cx="8144145" cy="6180042"/>
+            <a:off x="385047" y="606669"/>
+            <a:ext cx="8142221" cy="6178582"/>
           </a:xfrm>
           <a:prstGeom prst="rect">
             <a:avLst/>
@@ -4461,7 +4291,7 @@
         </p:nvSpPr>
         <p:spPr>
           <a:xfrm>
-            <a:off x="378859" y="2656778"/>
+            <a:off x="8924982" y="2657508"/>
             <a:ext cx="2688749" cy="2076904"/>
           </a:xfrm>
         </p:spPr>
@@ -4520,423 +4350,7 @@
 </p:sld>
 </file>
 
-<file path=ppt/slides/slide12.xml><?xml version="1.0" encoding="utf-8"?>
-<p:sld xmlns:a="http://schemas.openxmlformats.org/drawingml/2006/main" xmlns:r="http://schemas.openxmlformats.org/officeDocument/2006/relationships" xmlns:p="http://schemas.openxmlformats.org/presentationml/2006/main">
-  <p:cSld>
-    <p:spTree>
-      <p:nvGrpSpPr>
-        <p:cNvPr id="1" name="">
-          <a:extLst>
-            <a:ext uri="{FF2B5EF4-FFF2-40B4-BE49-F238E27FC236}">
-              <a16:creationId xmlns:a16="http://schemas.microsoft.com/office/drawing/2014/main" id="{796B114C-F57C-6167-845F-58378645C9BB}"/>
-            </a:ext>
-          </a:extLst>
-        </p:cNvPr>
-        <p:cNvGrpSpPr/>
-        <p:nvPr/>
-      </p:nvGrpSpPr>
-      <p:grpSpPr>
-        <a:xfrm>
-          <a:off x="0" y="0"/>
-          <a:ext cx="0" cy="0"/>
-          <a:chOff x="0" y="0"/>
-          <a:chExt cx="0" cy="0"/>
-        </a:xfrm>
-      </p:grpSpPr>
-      <p:sp>
-        <p:nvSpPr>
-          <p:cNvPr id="2" name="Заголовок 1">
-            <a:extLst>
-              <a:ext uri="{FF2B5EF4-FFF2-40B4-BE49-F238E27FC236}">
-                <a16:creationId xmlns:a16="http://schemas.microsoft.com/office/drawing/2014/main" id="{2310851D-629B-9BF5-13B1-9A04B1A24419}"/>
-              </a:ext>
-            </a:extLst>
-          </p:cNvPr>
-          <p:cNvSpPr>
-            <a:spLocks noGrp="1"/>
-          </p:cNvSpPr>
-          <p:nvPr>
-            <p:ph type="title"/>
-          </p:nvPr>
-        </p:nvSpPr>
-        <p:spPr>
-          <a:xfrm>
-            <a:off x="112485" y="-251732"/>
-            <a:ext cx="10515600" cy="1325563"/>
-          </a:xfrm>
-        </p:spPr>
-        <p:txBody>
-          <a:bodyPr>
-            <a:normAutofit/>
-          </a:bodyPr>
-          <a:lstStyle/>
-          <a:p>
-            <a:r>
-              <a:rPr lang="ru-RU" sz="3600" dirty="0">
-                <a:latin typeface="Times New Roman" panose="02020603050405020304" pitchFamily="18" charset="0"/>
-                <a:cs typeface="Times New Roman" panose="02020603050405020304" pitchFamily="18" charset="0"/>
-              </a:rPr>
-              <a:t>Пример интерфейса</a:t>
-            </a:r>
-          </a:p>
-        </p:txBody>
-      </p:sp>
-      <p:sp>
-        <p:nvSpPr>
-          <p:cNvPr id="6" name="Номер слайда 5">
-            <a:extLst>
-              <a:ext uri="{FF2B5EF4-FFF2-40B4-BE49-F238E27FC236}">
-                <a16:creationId xmlns:a16="http://schemas.microsoft.com/office/drawing/2014/main" id="{B3199C39-59FB-78C4-CDF3-56FC07622476}"/>
-              </a:ext>
-            </a:extLst>
-          </p:cNvPr>
-          <p:cNvSpPr>
-            <a:spLocks noGrp="1"/>
-          </p:cNvSpPr>
-          <p:nvPr>
-            <p:ph type="sldNum" sz="quarter" idx="12"/>
-          </p:nvPr>
-        </p:nvSpPr>
-        <p:spPr>
-          <a:xfrm>
-            <a:off x="9256485" y="6420126"/>
-            <a:ext cx="2743200" cy="365125"/>
-          </a:xfrm>
-        </p:spPr>
-        <p:txBody>
-          <a:bodyPr/>
-          <a:lstStyle/>
-          <a:p>
-            <a:fld id="{ED0E9F28-6D5B-4033-80BA-57AD3547A55E}" type="slidenum">
-              <a:rPr lang="ru-RU" sz="2200" smtClean="0"/>
-              <a:t>12</a:t>
-            </a:fld>
-            <a:endParaRPr lang="ru-RU" sz="2200" dirty="0"/>
-          </a:p>
-        </p:txBody>
-      </p:sp>
-      <p:pic>
-        <p:nvPicPr>
-          <p:cNvPr id="5" name="Рисунок 4">
-            <a:extLst>
-              <a:ext uri="{FF2B5EF4-FFF2-40B4-BE49-F238E27FC236}">
-                <a16:creationId xmlns:a16="http://schemas.microsoft.com/office/drawing/2014/main" id="{B7448E17-2F5C-AD9F-2F37-AA5E8254FFB5}"/>
-              </a:ext>
-            </a:extLst>
-          </p:cNvPr>
-          <p:cNvPicPr>
-            <a:picLocks noChangeAspect="1"/>
-          </p:cNvPicPr>
-          <p:nvPr/>
-        </p:nvPicPr>
-        <p:blipFill>
-          <a:blip r:embed="rId2">
-            <a:extLst>
-              <a:ext uri="{28A0092B-C50C-407E-A947-70E740481C1C}">
-                <a14:useLocalDpi xmlns:a14="http://schemas.microsoft.com/office/drawing/2010/main" val="0"/>
-              </a:ext>
-            </a:extLst>
-          </a:blip>
-          <a:stretch>
-            <a:fillRect/>
-          </a:stretch>
-        </p:blipFill>
-        <p:spPr>
-          <a:xfrm>
-            <a:off x="3292950" y="679197"/>
-            <a:ext cx="8085530" cy="6135563"/>
-          </a:xfrm>
-          <a:prstGeom prst="rect">
-            <a:avLst/>
-          </a:prstGeom>
-        </p:spPr>
-      </p:pic>
-      <p:sp>
-        <p:nvSpPr>
-          <p:cNvPr id="7" name="Объект 2">
-            <a:extLst>
-              <a:ext uri="{FF2B5EF4-FFF2-40B4-BE49-F238E27FC236}">
-                <a16:creationId xmlns:a16="http://schemas.microsoft.com/office/drawing/2014/main" id="{3E2CF95B-D5C3-0803-95B5-5DC00C5DCDCA}"/>
-              </a:ext>
-            </a:extLst>
-          </p:cNvPr>
-          <p:cNvSpPr>
-            <a:spLocks noGrp="1"/>
-          </p:cNvSpPr>
-          <p:nvPr>
-            <p:ph idx="1"/>
-          </p:nvPr>
-        </p:nvSpPr>
-        <p:spPr>
-          <a:xfrm>
-            <a:off x="378859" y="2656778"/>
-            <a:ext cx="2733618" cy="2076904"/>
-          </a:xfrm>
-        </p:spPr>
-        <p:txBody>
-          <a:bodyPr>
-            <a:normAutofit/>
-          </a:bodyPr>
-          <a:lstStyle/>
-          <a:p>
-            <a:pPr>
-              <a:buFont typeface="Wingdings" panose="05000000000000000000" pitchFamily="2" charset="2"/>
-              <a:buChar char="ü"/>
-            </a:pPr>
-            <a:r>
-              <a:rPr lang="ru-RU" sz="2200" dirty="0">
-                <a:latin typeface="Times New Roman" panose="02020603050405020304" pitchFamily="18" charset="0"/>
-                <a:cs typeface="Times New Roman" panose="02020603050405020304" pitchFamily="18" charset="0"/>
-              </a:rPr>
-              <a:t>Углы поворота камеры: (60, -60, 0)</a:t>
-            </a:r>
-          </a:p>
-          <a:p>
-            <a:pPr>
-              <a:buFont typeface="Wingdings" panose="05000000000000000000" pitchFamily="2" charset="2"/>
-              <a:buChar char="ü"/>
-            </a:pPr>
-            <a:r>
-              <a:rPr lang="ru-RU" sz="2200" dirty="0">
-                <a:latin typeface="Times New Roman" panose="02020603050405020304" pitchFamily="18" charset="0"/>
-                <a:cs typeface="Times New Roman" panose="02020603050405020304" pitchFamily="18" charset="0"/>
-              </a:rPr>
-              <a:t>Углы поворота источника света: (0, 30, 0)</a:t>
-            </a:r>
-          </a:p>
-          <a:p>
-            <a:pPr marL="0" indent="0">
-              <a:buNone/>
-            </a:pPr>
-            <a:endParaRPr lang="ru-RU" sz="2200" dirty="0">
-              <a:latin typeface="Times New Roman" panose="02020603050405020304" pitchFamily="18" charset="0"/>
-              <a:cs typeface="Times New Roman" panose="02020603050405020304" pitchFamily="18" charset="0"/>
-            </a:endParaRPr>
-          </a:p>
-        </p:txBody>
-      </p:sp>
-    </p:spTree>
-    <p:extLst>
-      <p:ext uri="{BB962C8B-B14F-4D97-AF65-F5344CB8AC3E}">
-        <p14:creationId xmlns:p14="http://schemas.microsoft.com/office/powerpoint/2010/main" val="1510065413"/>
-      </p:ext>
-    </p:extLst>
-  </p:cSld>
-  <p:clrMapOvr>
-    <a:masterClrMapping/>
-  </p:clrMapOvr>
-</p:sld>
-</file>
-
-<file path=ppt/slides/slide13.xml><?xml version="1.0" encoding="utf-8"?>
-<p:sld xmlns:a="http://schemas.openxmlformats.org/drawingml/2006/main" xmlns:r="http://schemas.openxmlformats.org/officeDocument/2006/relationships" xmlns:p="http://schemas.openxmlformats.org/presentationml/2006/main">
-  <p:cSld>
-    <p:spTree>
-      <p:nvGrpSpPr>
-        <p:cNvPr id="1" name="">
-          <a:extLst>
-            <a:ext uri="{FF2B5EF4-FFF2-40B4-BE49-F238E27FC236}">
-              <a16:creationId xmlns:a16="http://schemas.microsoft.com/office/drawing/2014/main" id="{DFC90485-4FDD-5590-11F9-852C56356F0F}"/>
-            </a:ext>
-          </a:extLst>
-        </p:cNvPr>
-        <p:cNvGrpSpPr/>
-        <p:nvPr/>
-      </p:nvGrpSpPr>
-      <p:grpSpPr>
-        <a:xfrm>
-          <a:off x="0" y="0"/>
-          <a:ext cx="0" cy="0"/>
-          <a:chOff x="0" y="0"/>
-          <a:chExt cx="0" cy="0"/>
-        </a:xfrm>
-      </p:grpSpPr>
-      <p:sp>
-        <p:nvSpPr>
-          <p:cNvPr id="2" name="Заголовок 1">
-            <a:extLst>
-              <a:ext uri="{FF2B5EF4-FFF2-40B4-BE49-F238E27FC236}">
-                <a16:creationId xmlns:a16="http://schemas.microsoft.com/office/drawing/2014/main" id="{5C481F18-6569-3978-4193-AB370BD31732}"/>
-              </a:ext>
-            </a:extLst>
-          </p:cNvPr>
-          <p:cNvSpPr>
-            <a:spLocks noGrp="1"/>
-          </p:cNvSpPr>
-          <p:nvPr>
-            <p:ph type="title"/>
-          </p:nvPr>
-        </p:nvSpPr>
-        <p:spPr>
-          <a:xfrm>
-            <a:off x="112485" y="-251732"/>
-            <a:ext cx="10515600" cy="1325563"/>
-          </a:xfrm>
-        </p:spPr>
-        <p:txBody>
-          <a:bodyPr>
-            <a:normAutofit/>
-          </a:bodyPr>
-          <a:lstStyle/>
-          <a:p>
-            <a:r>
-              <a:rPr lang="ru-RU" sz="3600" dirty="0">
-                <a:latin typeface="Times New Roman" panose="02020603050405020304" pitchFamily="18" charset="0"/>
-                <a:cs typeface="Times New Roman" panose="02020603050405020304" pitchFamily="18" charset="0"/>
-              </a:rPr>
-              <a:t>Пример интерфейса</a:t>
-            </a:r>
-          </a:p>
-        </p:txBody>
-      </p:sp>
-      <p:sp>
-        <p:nvSpPr>
-          <p:cNvPr id="6" name="Номер слайда 5">
-            <a:extLst>
-              <a:ext uri="{FF2B5EF4-FFF2-40B4-BE49-F238E27FC236}">
-                <a16:creationId xmlns:a16="http://schemas.microsoft.com/office/drawing/2014/main" id="{CAE5F505-A576-C6A6-1511-C03DABF2430B}"/>
-              </a:ext>
-            </a:extLst>
-          </p:cNvPr>
-          <p:cNvSpPr>
-            <a:spLocks noGrp="1"/>
-          </p:cNvSpPr>
-          <p:nvPr>
-            <p:ph type="sldNum" sz="quarter" idx="12"/>
-          </p:nvPr>
-        </p:nvSpPr>
-        <p:spPr>
-          <a:xfrm>
-            <a:off x="9256485" y="6420126"/>
-            <a:ext cx="2743200" cy="365125"/>
-          </a:xfrm>
-        </p:spPr>
-        <p:txBody>
-          <a:bodyPr/>
-          <a:lstStyle/>
-          <a:p>
-            <a:fld id="{ED0E9F28-6D5B-4033-80BA-57AD3547A55E}" type="slidenum">
-              <a:rPr lang="ru-RU" sz="2200" smtClean="0"/>
-              <a:t>13</a:t>
-            </a:fld>
-            <a:endParaRPr lang="ru-RU" sz="2200" dirty="0"/>
-          </a:p>
-        </p:txBody>
-      </p:sp>
-      <p:pic>
-        <p:nvPicPr>
-          <p:cNvPr id="5" name="Рисунок 4">
-            <a:extLst>
-              <a:ext uri="{FF2B5EF4-FFF2-40B4-BE49-F238E27FC236}">
-                <a16:creationId xmlns:a16="http://schemas.microsoft.com/office/drawing/2014/main" id="{1979F6BB-7CD6-9972-39C5-FA3EF543D8AB}"/>
-              </a:ext>
-            </a:extLst>
-          </p:cNvPr>
-          <p:cNvPicPr>
-            <a:picLocks noChangeAspect="1"/>
-          </p:cNvPicPr>
-          <p:nvPr/>
-        </p:nvPicPr>
-        <p:blipFill>
-          <a:blip r:embed="rId2">
-            <a:extLst>
-              <a:ext uri="{28A0092B-C50C-407E-A947-70E740481C1C}">
-                <a14:useLocalDpi xmlns:a14="http://schemas.microsoft.com/office/drawing/2010/main" val="0"/>
-              </a:ext>
-            </a:extLst>
-          </a:blip>
-          <a:stretch>
-            <a:fillRect/>
-          </a:stretch>
-        </p:blipFill>
-        <p:spPr>
-          <a:xfrm>
-            <a:off x="3323723" y="669703"/>
-            <a:ext cx="8059153" cy="6115548"/>
-          </a:xfrm>
-          <a:prstGeom prst="rect">
-            <a:avLst/>
-          </a:prstGeom>
-        </p:spPr>
-      </p:pic>
-      <p:sp>
-        <p:nvSpPr>
-          <p:cNvPr id="7" name="Объект 2">
-            <a:extLst>
-              <a:ext uri="{FF2B5EF4-FFF2-40B4-BE49-F238E27FC236}">
-                <a16:creationId xmlns:a16="http://schemas.microsoft.com/office/drawing/2014/main" id="{EFF5DB2C-37BA-CB27-DBEC-8EDA4911F6BE}"/>
-              </a:ext>
-            </a:extLst>
-          </p:cNvPr>
-          <p:cNvSpPr>
-            <a:spLocks noGrp="1"/>
-          </p:cNvSpPr>
-          <p:nvPr>
-            <p:ph idx="1"/>
-          </p:nvPr>
-        </p:nvSpPr>
-        <p:spPr>
-          <a:xfrm>
-            <a:off x="378859" y="2656778"/>
-            <a:ext cx="2768787" cy="2076904"/>
-          </a:xfrm>
-        </p:spPr>
-        <p:txBody>
-          <a:bodyPr>
-            <a:normAutofit/>
-          </a:bodyPr>
-          <a:lstStyle/>
-          <a:p>
-            <a:pPr>
-              <a:buFont typeface="Wingdings" panose="05000000000000000000" pitchFamily="2" charset="2"/>
-              <a:buChar char="ü"/>
-            </a:pPr>
-            <a:r>
-              <a:rPr lang="ru-RU" sz="2200" dirty="0">
-                <a:latin typeface="Times New Roman" panose="02020603050405020304" pitchFamily="18" charset="0"/>
-                <a:cs typeface="Times New Roman" panose="02020603050405020304" pitchFamily="18" charset="0"/>
-              </a:rPr>
-              <a:t>Углы поворота камеры: (60, 180, 0)</a:t>
-            </a:r>
-          </a:p>
-          <a:p>
-            <a:pPr>
-              <a:buFont typeface="Wingdings" panose="05000000000000000000" pitchFamily="2" charset="2"/>
-              <a:buChar char="ü"/>
-            </a:pPr>
-            <a:r>
-              <a:rPr lang="ru-RU" sz="2200" dirty="0">
-                <a:latin typeface="Times New Roman" panose="02020603050405020304" pitchFamily="18" charset="0"/>
-                <a:cs typeface="Times New Roman" panose="02020603050405020304" pitchFamily="18" charset="0"/>
-              </a:rPr>
-              <a:t>Углы поворота источника света: (10, 0, 30)</a:t>
-            </a:r>
-          </a:p>
-          <a:p>
-            <a:pPr marL="0" indent="0">
-              <a:buNone/>
-            </a:pPr>
-            <a:endParaRPr lang="ru-RU" sz="2200" dirty="0">
-              <a:latin typeface="Times New Roman" panose="02020603050405020304" pitchFamily="18" charset="0"/>
-              <a:cs typeface="Times New Roman" panose="02020603050405020304" pitchFamily="18" charset="0"/>
-            </a:endParaRPr>
-          </a:p>
-        </p:txBody>
-      </p:sp>
-    </p:spTree>
-    <p:extLst>
-      <p:ext uri="{BB962C8B-B14F-4D97-AF65-F5344CB8AC3E}">
-        <p14:creationId xmlns:p14="http://schemas.microsoft.com/office/powerpoint/2010/main" val="984981103"/>
-      </p:ext>
-    </p:extLst>
-  </p:cSld>
-  <p:clrMapOvr>
-    <a:masterClrMapping/>
-  </p:clrMapOvr>
-</p:sld>
-</file>
-
-<file path=ppt/slides/slide14.xml><?xml version="1.0" encoding="utf-8"?>
+<file path=ppt/slides/slide11.xml><?xml version="1.0" encoding="utf-8"?>
 <p:sld xmlns:a="http://schemas.openxmlformats.org/drawingml/2006/main" xmlns:r="http://schemas.openxmlformats.org/officeDocument/2006/relationships" xmlns:p="http://schemas.openxmlformats.org/presentationml/2006/main">
   <p:cSld>
     <p:spTree>
@@ -4959,78 +4373,43 @@
           <a:chExt cx="0" cy="0"/>
         </a:xfrm>
       </p:grpSpPr>
-      <p:sp>
-        <p:nvSpPr>
-          <p:cNvPr id="2" name="Заголовок 1">
-            <a:extLst>
-              <a:ext uri="{FF2B5EF4-FFF2-40B4-BE49-F238E27FC236}">
-                <a16:creationId xmlns:a16="http://schemas.microsoft.com/office/drawing/2014/main" id="{650327D6-25B8-4C73-6031-9A7375C39785}"/>
-              </a:ext>
-            </a:extLst>
-          </p:cNvPr>
-          <p:cNvSpPr>
-            <a:spLocks noGrp="1"/>
-          </p:cNvSpPr>
-          <p:nvPr>
-            <p:ph type="title"/>
-          </p:nvPr>
-        </p:nvSpPr>
-        <p:spPr>
-          <a:xfrm>
-            <a:off x="112485" y="-251732"/>
-            <a:ext cx="10515600" cy="1325563"/>
-          </a:xfrm>
-        </p:spPr>
-        <p:txBody>
-          <a:bodyPr>
-            <a:normAutofit/>
-          </a:bodyPr>
-          <a:lstStyle/>
-          <a:p>
-            <a:r>
-              <a:rPr lang="ru-RU" sz="3600" dirty="0">
-                <a:latin typeface="Times New Roman" panose="02020603050405020304" pitchFamily="18" charset="0"/>
-                <a:cs typeface="Times New Roman" panose="02020603050405020304" pitchFamily="18" charset="0"/>
-              </a:rPr>
-              <a:t>Пример интерфейса</a:t>
-            </a:r>
-          </a:p>
-        </p:txBody>
-      </p:sp>
-      <p:sp>
-        <p:nvSpPr>
-          <p:cNvPr id="6" name="Номер слайда 5">
-            <a:extLst>
-              <a:ext uri="{FF2B5EF4-FFF2-40B4-BE49-F238E27FC236}">
-                <a16:creationId xmlns:a16="http://schemas.microsoft.com/office/drawing/2014/main" id="{0A3E8921-A4A6-D782-BDD5-17ECDCBA5D36}"/>
-              </a:ext>
-            </a:extLst>
-          </p:cNvPr>
-          <p:cNvSpPr>
-            <a:spLocks noGrp="1"/>
-          </p:cNvSpPr>
-          <p:nvPr>
-            <p:ph type="sldNum" sz="quarter" idx="12"/>
-          </p:nvPr>
-        </p:nvSpPr>
-        <p:spPr>
-          <a:xfrm>
-            <a:off x="9256485" y="6420126"/>
-            <a:ext cx="2743200" cy="365125"/>
-          </a:xfrm>
-        </p:spPr>
-        <p:txBody>
-          <a:bodyPr/>
-          <a:lstStyle/>
-          <a:p>
-            <a:fld id="{ED0E9F28-6D5B-4033-80BA-57AD3547A55E}" type="slidenum">
-              <a:rPr lang="ru-RU" sz="2200" smtClean="0"/>
-              <a:t>14</a:t>
-            </a:fld>
-            <a:endParaRPr lang="ru-RU" sz="2200" dirty="0"/>
-          </a:p>
-        </p:txBody>
-      </p:sp>
+      <p:pic>
+        <p:nvPicPr>
+          <p:cNvPr id="8" name="Объект 7">
+            <a:extLst>
+              <a:ext uri="{FF2B5EF4-FFF2-40B4-BE49-F238E27FC236}">
+                <a16:creationId xmlns:a16="http://schemas.microsoft.com/office/drawing/2014/main" id="{58779B88-5E87-0645-F95C-AF61CC061547}"/>
+              </a:ext>
+            </a:extLst>
+          </p:cNvPr>
+          <p:cNvPicPr>
+            <a:picLocks noGrp="1" noChangeAspect="1"/>
+          </p:cNvPicPr>
+          <p:nvPr>
+            <p:ph idx="1"/>
+          </p:nvPr>
+        </p:nvPicPr>
+        <p:blipFill>
+          <a:blip r:embed="rId2">
+            <a:extLst>
+              <a:ext uri="{28A0092B-C50C-407E-A947-70E740481C1C}">
+                <a14:useLocalDpi xmlns:a14="http://schemas.microsoft.com/office/drawing/2010/main" val="0"/>
+              </a:ext>
+            </a:extLst>
+          </a:blip>
+          <a:srcRect l="37896" t="27958" r="13857" b="17790"/>
+          <a:stretch/>
+        </p:blipFill>
+        <p:spPr>
+          <a:xfrm>
+            <a:off x="3852687" y="1248173"/>
+            <a:ext cx="4090327" cy="3490211"/>
+          </a:xfrm>
+          <a:prstGeom prst="rect">
+            <a:avLst/>
+          </a:prstGeom>
+        </p:spPr>
+      </p:pic>
       <p:pic>
         <p:nvPicPr>
           <p:cNvPr id="4" name="Рисунок 3">
@@ -5046,7 +4425,115 @@
           <p:nvPr/>
         </p:nvPicPr>
         <p:blipFill>
-          <a:blip r:embed="rId2">
+          <a:blip r:embed="rId3">
+            <a:extLst>
+              <a:ext uri="{28A0092B-C50C-407E-A947-70E740481C1C}">
+                <a14:useLocalDpi xmlns:a14="http://schemas.microsoft.com/office/drawing/2010/main" val="0"/>
+              </a:ext>
+            </a:extLst>
+          </a:blip>
+          <a:srcRect l="37815" t="7590" r="14374" b="5202"/>
+          <a:stretch/>
+        </p:blipFill>
+        <p:spPr>
+          <a:xfrm>
+            <a:off x="167609" y="1758462"/>
+            <a:ext cx="3544401" cy="4905772"/>
+          </a:xfrm>
+          <a:prstGeom prst="rect">
+            <a:avLst/>
+          </a:prstGeom>
+        </p:spPr>
+      </p:pic>
+      <p:sp>
+        <p:nvSpPr>
+          <p:cNvPr id="2" name="Заголовок 1">
+            <a:extLst>
+              <a:ext uri="{FF2B5EF4-FFF2-40B4-BE49-F238E27FC236}">
+                <a16:creationId xmlns:a16="http://schemas.microsoft.com/office/drawing/2014/main" id="{650327D6-25B8-4C73-6031-9A7375C39785}"/>
+              </a:ext>
+            </a:extLst>
+          </p:cNvPr>
+          <p:cNvSpPr>
+            <a:spLocks noGrp="1"/>
+          </p:cNvSpPr>
+          <p:nvPr>
+            <p:ph type="title"/>
+          </p:nvPr>
+        </p:nvSpPr>
+        <p:spPr>
+          <a:xfrm>
+            <a:off x="152400" y="640334"/>
+            <a:ext cx="11887200" cy="607839"/>
+          </a:xfrm>
+        </p:spPr>
+        <p:txBody>
+          <a:bodyPr>
+            <a:normAutofit/>
+          </a:bodyPr>
+          <a:lstStyle/>
+          <a:p>
+            <a:pPr algn="ctr"/>
+            <a:r>
+              <a:rPr lang="ru-RU" sz="3600" b="1" dirty="0">
+                <a:latin typeface="Times New Roman" panose="02020603050405020304" pitchFamily="18" charset="0"/>
+                <a:cs typeface="Times New Roman" panose="02020603050405020304" pitchFamily="18" charset="0"/>
+              </a:rPr>
+              <a:t>Демонстрация работы программы</a:t>
+            </a:r>
+          </a:p>
+        </p:txBody>
+      </p:sp>
+      <p:sp>
+        <p:nvSpPr>
+          <p:cNvPr id="6" name="Номер слайда 5">
+            <a:extLst>
+              <a:ext uri="{FF2B5EF4-FFF2-40B4-BE49-F238E27FC236}">
+                <a16:creationId xmlns:a16="http://schemas.microsoft.com/office/drawing/2014/main" id="{0A3E8921-A4A6-D782-BDD5-17ECDCBA5D36}"/>
+              </a:ext>
+            </a:extLst>
+          </p:cNvPr>
+          <p:cNvSpPr>
+            <a:spLocks noGrp="1"/>
+          </p:cNvSpPr>
+          <p:nvPr>
+            <p:ph type="sldNum" sz="quarter" idx="12"/>
+          </p:nvPr>
+        </p:nvSpPr>
+        <p:spPr>
+          <a:xfrm>
+            <a:off x="9256485" y="6420126"/>
+            <a:ext cx="2743200" cy="365125"/>
+          </a:xfrm>
+        </p:spPr>
+        <p:txBody>
+          <a:bodyPr/>
+          <a:lstStyle/>
+          <a:p>
+            <a:fld id="{ED0E9F28-6D5B-4033-80BA-57AD3547A55E}" type="slidenum">
+              <a:rPr lang="ru-RU" sz="2200" smtClean="0"/>
+              <a:t>11</a:t>
+            </a:fld>
+            <a:endParaRPr lang="ru-RU" sz="2200" dirty="0"/>
+          </a:p>
+        </p:txBody>
+      </p:sp>
+      <p:pic>
+        <p:nvPicPr>
+          <p:cNvPr id="11" name="Рисунок 10">
+            <a:extLst>
+              <a:ext uri="{FF2B5EF4-FFF2-40B4-BE49-F238E27FC236}">
+                <a16:creationId xmlns:a16="http://schemas.microsoft.com/office/drawing/2014/main" id="{B2082E86-3379-3760-DD19-1B2B95C4586B}"/>
+              </a:ext>
+            </a:extLst>
+          </p:cNvPr>
+          <p:cNvPicPr>
+            <a:picLocks noChangeAspect="1"/>
+          </p:cNvPicPr>
+          <p:nvPr/>
+        </p:nvPicPr>
+        <p:blipFill>
+          <a:blip r:embed="rId4">
             <a:extLst>
               <a:ext uri="{28A0092B-C50C-407E-A947-70E740481C1C}">
                 <a14:useLocalDpi xmlns:a14="http://schemas.microsoft.com/office/drawing/2010/main" val="0"/>
@@ -5059,78 +4546,1219 @@
         </p:blipFill>
         <p:spPr>
           <a:xfrm>
-            <a:off x="3402623" y="676973"/>
-            <a:ext cx="8091391" cy="6140011"/>
+            <a:off x="6857999" y="2414598"/>
+            <a:ext cx="5935557" cy="4506899"/>
           </a:xfrm>
           <a:prstGeom prst="rect">
             <a:avLst/>
           </a:prstGeom>
         </p:spPr>
       </p:pic>
-      <p:sp>
-        <p:nvSpPr>
-          <p:cNvPr id="7" name="Объект 2">
-            <a:extLst>
-              <a:ext uri="{FF2B5EF4-FFF2-40B4-BE49-F238E27FC236}">
-                <a16:creationId xmlns:a16="http://schemas.microsoft.com/office/drawing/2014/main" id="{4B2C0116-E369-9B9C-D31C-D8564A3B10BD}"/>
-              </a:ext>
-            </a:extLst>
-          </p:cNvPr>
-          <p:cNvSpPr>
-            <a:spLocks noGrp="1"/>
-          </p:cNvSpPr>
-          <p:nvPr>
-            <p:ph idx="1"/>
-          </p:nvPr>
-        </p:nvSpPr>
-        <p:spPr>
-          <a:xfrm>
-            <a:off x="378859" y="2656778"/>
-            <a:ext cx="2688749" cy="2076904"/>
-          </a:xfrm>
-        </p:spPr>
-        <p:txBody>
-          <a:bodyPr>
-            <a:normAutofit/>
-          </a:bodyPr>
-          <a:lstStyle/>
-          <a:p>
-            <a:pPr>
-              <a:buFont typeface="Wingdings" panose="05000000000000000000" pitchFamily="2" charset="2"/>
-              <a:buChar char="ü"/>
-            </a:pPr>
-            <a:r>
-              <a:rPr lang="ru-RU" sz="2200" dirty="0">
-                <a:latin typeface="Times New Roman" panose="02020603050405020304" pitchFamily="18" charset="0"/>
-                <a:cs typeface="Times New Roman" panose="02020603050405020304" pitchFamily="18" charset="0"/>
-              </a:rPr>
-              <a:t>Углы поворота камеры: (30, 0, 0)</a:t>
-            </a:r>
-          </a:p>
-          <a:p>
-            <a:pPr>
-              <a:buFont typeface="Wingdings" panose="05000000000000000000" pitchFamily="2" charset="2"/>
-              <a:buChar char="ü"/>
-            </a:pPr>
-            <a:r>
-              <a:rPr lang="ru-RU" sz="2200" dirty="0">
-                <a:latin typeface="Times New Roman" panose="02020603050405020304" pitchFamily="18" charset="0"/>
-                <a:cs typeface="Times New Roman" panose="02020603050405020304" pitchFamily="18" charset="0"/>
-              </a:rPr>
-              <a:t>Углы поворота источника света: (60, 0, 0)</a:t>
-            </a:r>
-          </a:p>
-          <a:p>
-            <a:pPr marL="0" indent="0">
-              <a:buNone/>
-            </a:pPr>
-            <a:endParaRPr lang="ru-RU" sz="2200" dirty="0">
-              <a:latin typeface="Times New Roman" panose="02020603050405020304" pitchFamily="18" charset="0"/>
-              <a:cs typeface="Times New Roman" panose="02020603050405020304" pitchFamily="18" charset="0"/>
-            </a:endParaRPr>
-          </a:p>
-        </p:txBody>
-      </p:sp>
+      <p:cxnSp>
+        <p:nvCxnSpPr>
+          <p:cNvPr id="15" name="Прямая соединительная линия 14">
+            <a:extLst>
+              <a:ext uri="{FF2B5EF4-FFF2-40B4-BE49-F238E27FC236}">
+                <a16:creationId xmlns:a16="http://schemas.microsoft.com/office/drawing/2014/main" id="{DD5E17E1-8846-94F8-E8B4-64833B1EB191}"/>
+              </a:ext>
+            </a:extLst>
+          </p:cNvPr>
+          <p:cNvCxnSpPr/>
+          <p:nvPr/>
+        </p:nvCxnSpPr>
+        <p:spPr>
+          <a:xfrm>
+            <a:off x="3852687" y="3543300"/>
+            <a:ext cx="395463" cy="0"/>
+          </a:xfrm>
+          <a:prstGeom prst="line">
+            <a:avLst/>
+          </a:prstGeom>
+          <a:ln w="12700">
+            <a:solidFill>
+              <a:schemeClr val="tx1">
+                <a:lumMod val="85000"/>
+                <a:lumOff val="15000"/>
+              </a:schemeClr>
+            </a:solidFill>
+          </a:ln>
+        </p:spPr>
+        <p:style>
+          <a:lnRef idx="2">
+            <a:schemeClr val="dk1"/>
+          </a:lnRef>
+          <a:fillRef idx="0">
+            <a:schemeClr val="dk1"/>
+          </a:fillRef>
+          <a:effectRef idx="1">
+            <a:schemeClr val="dk1"/>
+          </a:effectRef>
+          <a:fontRef idx="minor">
+            <a:schemeClr val="tx1"/>
+          </a:fontRef>
+        </p:style>
+      </p:cxnSp>
+      <p:cxnSp>
+        <p:nvCxnSpPr>
+          <p:cNvPr id="16" name="Прямая соединительная линия 15">
+            <a:extLst>
+              <a:ext uri="{FF2B5EF4-FFF2-40B4-BE49-F238E27FC236}">
+                <a16:creationId xmlns:a16="http://schemas.microsoft.com/office/drawing/2014/main" id="{81324384-1681-EDDC-047C-5F3C27FF40F0}"/>
+              </a:ext>
+            </a:extLst>
+          </p:cNvPr>
+          <p:cNvCxnSpPr/>
+          <p:nvPr/>
+        </p:nvCxnSpPr>
+        <p:spPr>
+          <a:xfrm>
+            <a:off x="3852687" y="3901440"/>
+            <a:ext cx="395463" cy="0"/>
+          </a:xfrm>
+          <a:prstGeom prst="line">
+            <a:avLst/>
+          </a:prstGeom>
+          <a:ln w="12700">
+            <a:solidFill>
+              <a:schemeClr val="tx1">
+                <a:lumMod val="85000"/>
+                <a:lumOff val="15000"/>
+              </a:schemeClr>
+            </a:solidFill>
+          </a:ln>
+        </p:spPr>
+        <p:style>
+          <a:lnRef idx="2">
+            <a:schemeClr val="dk1"/>
+          </a:lnRef>
+          <a:fillRef idx="0">
+            <a:schemeClr val="dk1"/>
+          </a:fillRef>
+          <a:effectRef idx="1">
+            <a:schemeClr val="dk1"/>
+          </a:effectRef>
+          <a:fontRef idx="minor">
+            <a:schemeClr val="tx1"/>
+          </a:fontRef>
+        </p:style>
+      </p:cxnSp>
+      <p:cxnSp>
+        <p:nvCxnSpPr>
+          <p:cNvPr id="17" name="Прямая соединительная линия 16">
+            <a:extLst>
+              <a:ext uri="{FF2B5EF4-FFF2-40B4-BE49-F238E27FC236}">
+                <a16:creationId xmlns:a16="http://schemas.microsoft.com/office/drawing/2014/main" id="{9B6B7B38-0D83-7836-E352-6A9E3CAF729B}"/>
+              </a:ext>
+            </a:extLst>
+          </p:cNvPr>
+          <p:cNvCxnSpPr>
+            <a:cxnSpLocks/>
+          </p:cNvCxnSpPr>
+          <p:nvPr/>
+        </p:nvCxnSpPr>
+        <p:spPr>
+          <a:xfrm>
+            <a:off x="3856497" y="3901440"/>
+            <a:ext cx="0" cy="118110"/>
+          </a:xfrm>
+          <a:prstGeom prst="line">
+            <a:avLst/>
+          </a:prstGeom>
+          <a:ln w="12700">
+            <a:solidFill>
+              <a:schemeClr val="tx1">
+                <a:lumMod val="85000"/>
+                <a:lumOff val="15000"/>
+              </a:schemeClr>
+            </a:solidFill>
+          </a:ln>
+        </p:spPr>
+        <p:style>
+          <a:lnRef idx="2">
+            <a:schemeClr val="dk1"/>
+          </a:lnRef>
+          <a:fillRef idx="0">
+            <a:schemeClr val="dk1"/>
+          </a:fillRef>
+          <a:effectRef idx="1">
+            <a:schemeClr val="dk1"/>
+          </a:effectRef>
+          <a:fontRef idx="minor">
+            <a:schemeClr val="tx1"/>
+          </a:fontRef>
+        </p:style>
+      </p:cxnSp>
+      <p:cxnSp>
+        <p:nvCxnSpPr>
+          <p:cNvPr id="20" name="Прямая соединительная линия 19">
+            <a:extLst>
+              <a:ext uri="{FF2B5EF4-FFF2-40B4-BE49-F238E27FC236}">
+                <a16:creationId xmlns:a16="http://schemas.microsoft.com/office/drawing/2014/main" id="{80524F08-BAB6-068E-999C-A4FAD034A409}"/>
+              </a:ext>
+            </a:extLst>
+          </p:cNvPr>
+          <p:cNvCxnSpPr>
+            <a:cxnSpLocks/>
+          </p:cNvCxnSpPr>
+          <p:nvPr/>
+        </p:nvCxnSpPr>
+        <p:spPr>
+          <a:xfrm>
+            <a:off x="3856497" y="3577590"/>
+            <a:ext cx="0" cy="118110"/>
+          </a:xfrm>
+          <a:prstGeom prst="line">
+            <a:avLst/>
+          </a:prstGeom>
+          <a:ln w="12700">
+            <a:solidFill>
+              <a:schemeClr val="tx1">
+                <a:lumMod val="85000"/>
+                <a:lumOff val="15000"/>
+              </a:schemeClr>
+            </a:solidFill>
+          </a:ln>
+        </p:spPr>
+        <p:style>
+          <a:lnRef idx="2">
+            <a:schemeClr val="dk1"/>
+          </a:lnRef>
+          <a:fillRef idx="0">
+            <a:schemeClr val="dk1"/>
+          </a:fillRef>
+          <a:effectRef idx="1">
+            <a:schemeClr val="dk1"/>
+          </a:effectRef>
+          <a:fontRef idx="minor">
+            <a:schemeClr val="tx1"/>
+          </a:fontRef>
+        </p:style>
+      </p:cxnSp>
+      <p:cxnSp>
+        <p:nvCxnSpPr>
+          <p:cNvPr id="21" name="Прямая соединительная линия 20">
+            <a:extLst>
+              <a:ext uri="{FF2B5EF4-FFF2-40B4-BE49-F238E27FC236}">
+                <a16:creationId xmlns:a16="http://schemas.microsoft.com/office/drawing/2014/main" id="{5B6060F9-A8AD-EC73-8121-842D8E828744}"/>
+              </a:ext>
+            </a:extLst>
+          </p:cNvPr>
+          <p:cNvCxnSpPr>
+            <a:cxnSpLocks/>
+          </p:cNvCxnSpPr>
+          <p:nvPr/>
+        </p:nvCxnSpPr>
+        <p:spPr>
+          <a:xfrm>
+            <a:off x="5864367" y="3909060"/>
+            <a:ext cx="776463" cy="0"/>
+          </a:xfrm>
+          <a:prstGeom prst="line">
+            <a:avLst/>
+          </a:prstGeom>
+          <a:ln w="12700">
+            <a:solidFill>
+              <a:schemeClr val="tx1">
+                <a:lumMod val="85000"/>
+                <a:lumOff val="15000"/>
+              </a:schemeClr>
+            </a:solidFill>
+          </a:ln>
+        </p:spPr>
+        <p:style>
+          <a:lnRef idx="2">
+            <a:schemeClr val="dk1"/>
+          </a:lnRef>
+          <a:fillRef idx="0">
+            <a:schemeClr val="dk1"/>
+          </a:fillRef>
+          <a:effectRef idx="1">
+            <a:schemeClr val="dk1"/>
+          </a:effectRef>
+          <a:fontRef idx="minor">
+            <a:schemeClr val="tx1"/>
+          </a:fontRef>
+        </p:style>
+      </p:cxnSp>
+      <p:cxnSp>
+        <p:nvCxnSpPr>
+          <p:cNvPr id="25" name="Прямая соединительная линия 24">
+            <a:extLst>
+              <a:ext uri="{FF2B5EF4-FFF2-40B4-BE49-F238E27FC236}">
+                <a16:creationId xmlns:a16="http://schemas.microsoft.com/office/drawing/2014/main" id="{A172F081-8D07-97F7-45B4-94AA63FF8B9A}"/>
+              </a:ext>
+            </a:extLst>
+          </p:cNvPr>
+          <p:cNvCxnSpPr>
+            <a:cxnSpLocks/>
+          </p:cNvCxnSpPr>
+          <p:nvPr/>
+        </p:nvCxnSpPr>
+        <p:spPr>
+          <a:xfrm>
+            <a:off x="7475220" y="3543300"/>
+            <a:ext cx="285750" cy="0"/>
+          </a:xfrm>
+          <a:prstGeom prst="line">
+            <a:avLst/>
+          </a:prstGeom>
+          <a:ln w="12700">
+            <a:solidFill>
+              <a:schemeClr val="tx1">
+                <a:lumMod val="85000"/>
+                <a:lumOff val="15000"/>
+              </a:schemeClr>
+            </a:solidFill>
+          </a:ln>
+        </p:spPr>
+        <p:style>
+          <a:lnRef idx="2">
+            <a:schemeClr val="dk1"/>
+          </a:lnRef>
+          <a:fillRef idx="0">
+            <a:schemeClr val="dk1"/>
+          </a:fillRef>
+          <a:effectRef idx="1">
+            <a:schemeClr val="dk1"/>
+          </a:effectRef>
+          <a:fontRef idx="minor">
+            <a:schemeClr val="tx1"/>
+          </a:fontRef>
+        </p:style>
+      </p:cxnSp>
+      <p:cxnSp>
+        <p:nvCxnSpPr>
+          <p:cNvPr id="27" name="Прямая соединительная линия 26">
+            <a:extLst>
+              <a:ext uri="{FF2B5EF4-FFF2-40B4-BE49-F238E27FC236}">
+                <a16:creationId xmlns:a16="http://schemas.microsoft.com/office/drawing/2014/main" id="{65627CED-1A04-2CE5-F444-B67092BBE891}"/>
+              </a:ext>
+            </a:extLst>
+          </p:cNvPr>
+          <p:cNvCxnSpPr>
+            <a:cxnSpLocks/>
+          </p:cNvCxnSpPr>
+          <p:nvPr/>
+        </p:nvCxnSpPr>
+        <p:spPr>
+          <a:xfrm>
+            <a:off x="7445517" y="4776470"/>
+            <a:ext cx="1488933" cy="77470"/>
+          </a:xfrm>
+          <a:prstGeom prst="line">
+            <a:avLst/>
+          </a:prstGeom>
+          <a:ln w="19050">
+            <a:solidFill>
+              <a:schemeClr val="tx1">
+                <a:lumMod val="75000"/>
+                <a:lumOff val="25000"/>
+              </a:schemeClr>
+            </a:solidFill>
+          </a:ln>
+        </p:spPr>
+        <p:style>
+          <a:lnRef idx="2">
+            <a:schemeClr val="dk1"/>
+          </a:lnRef>
+          <a:fillRef idx="0">
+            <a:schemeClr val="dk1"/>
+          </a:fillRef>
+          <a:effectRef idx="1">
+            <a:schemeClr val="dk1"/>
+          </a:effectRef>
+          <a:fontRef idx="minor">
+            <a:schemeClr val="tx1"/>
+          </a:fontRef>
+        </p:style>
+      </p:cxnSp>
+      <p:cxnSp>
+        <p:nvCxnSpPr>
+          <p:cNvPr id="29" name="Прямая соединительная линия 28">
+            <a:extLst>
+              <a:ext uri="{FF2B5EF4-FFF2-40B4-BE49-F238E27FC236}">
+                <a16:creationId xmlns:a16="http://schemas.microsoft.com/office/drawing/2014/main" id="{83E31109-B2B5-5FD0-C925-900235FA5BC9}"/>
+              </a:ext>
+            </a:extLst>
+          </p:cNvPr>
+          <p:cNvCxnSpPr>
+            <a:cxnSpLocks/>
+          </p:cNvCxnSpPr>
+          <p:nvPr/>
+        </p:nvCxnSpPr>
+        <p:spPr>
+          <a:xfrm flipV="1">
+            <a:off x="7445517" y="4591050"/>
+            <a:ext cx="265923" cy="185420"/>
+          </a:xfrm>
+          <a:prstGeom prst="line">
+            <a:avLst/>
+          </a:prstGeom>
+          <a:ln w="19050">
+            <a:solidFill>
+              <a:schemeClr val="tx1">
+                <a:lumMod val="75000"/>
+                <a:lumOff val="25000"/>
+              </a:schemeClr>
+            </a:solidFill>
+          </a:ln>
+        </p:spPr>
+        <p:style>
+          <a:lnRef idx="2">
+            <a:schemeClr val="dk1"/>
+          </a:lnRef>
+          <a:fillRef idx="0">
+            <a:schemeClr val="dk1"/>
+          </a:fillRef>
+          <a:effectRef idx="1">
+            <a:schemeClr val="dk1"/>
+          </a:effectRef>
+          <a:fontRef idx="minor">
+            <a:schemeClr val="tx1"/>
+          </a:fontRef>
+        </p:style>
+      </p:cxnSp>
+      <p:cxnSp>
+        <p:nvCxnSpPr>
+          <p:cNvPr id="31" name="Прямая соединительная линия 30">
+            <a:extLst>
+              <a:ext uri="{FF2B5EF4-FFF2-40B4-BE49-F238E27FC236}">
+                <a16:creationId xmlns:a16="http://schemas.microsoft.com/office/drawing/2014/main" id="{1A935E85-5917-C7C6-AA73-62FD108721F3}"/>
+              </a:ext>
+            </a:extLst>
+          </p:cNvPr>
+          <p:cNvCxnSpPr>
+            <a:cxnSpLocks/>
+          </p:cNvCxnSpPr>
+          <p:nvPr/>
+        </p:nvCxnSpPr>
+        <p:spPr>
+          <a:xfrm>
+            <a:off x="7711440" y="4591050"/>
+            <a:ext cx="1488933" cy="77470"/>
+          </a:xfrm>
+          <a:prstGeom prst="line">
+            <a:avLst/>
+          </a:prstGeom>
+          <a:ln w="19050">
+            <a:solidFill>
+              <a:schemeClr val="tx1">
+                <a:lumMod val="75000"/>
+                <a:lumOff val="25000"/>
+              </a:schemeClr>
+            </a:solidFill>
+          </a:ln>
+        </p:spPr>
+        <p:style>
+          <a:lnRef idx="2">
+            <a:schemeClr val="dk1"/>
+          </a:lnRef>
+          <a:fillRef idx="0">
+            <a:schemeClr val="dk1"/>
+          </a:fillRef>
+          <a:effectRef idx="1">
+            <a:schemeClr val="dk1"/>
+          </a:effectRef>
+          <a:fontRef idx="minor">
+            <a:schemeClr val="tx1"/>
+          </a:fontRef>
+        </p:style>
+      </p:cxnSp>
+      <p:cxnSp>
+        <p:nvCxnSpPr>
+          <p:cNvPr id="32" name="Прямая соединительная линия 31">
+            <a:extLst>
+              <a:ext uri="{FF2B5EF4-FFF2-40B4-BE49-F238E27FC236}">
+                <a16:creationId xmlns:a16="http://schemas.microsoft.com/office/drawing/2014/main" id="{25DDF434-1E3F-8F99-50EA-D2684B1DDB60}"/>
+              </a:ext>
+            </a:extLst>
+          </p:cNvPr>
+          <p:cNvCxnSpPr>
+            <a:cxnSpLocks/>
+          </p:cNvCxnSpPr>
+          <p:nvPr/>
+        </p:nvCxnSpPr>
+        <p:spPr>
+          <a:xfrm flipV="1">
+            <a:off x="8934450" y="4669169"/>
+            <a:ext cx="265922" cy="184771"/>
+          </a:xfrm>
+          <a:prstGeom prst="line">
+            <a:avLst/>
+          </a:prstGeom>
+          <a:ln w="19050">
+            <a:solidFill>
+              <a:schemeClr val="tx1">
+                <a:lumMod val="75000"/>
+                <a:lumOff val="25000"/>
+              </a:schemeClr>
+            </a:solidFill>
+          </a:ln>
+        </p:spPr>
+        <p:style>
+          <a:lnRef idx="2">
+            <a:schemeClr val="dk1"/>
+          </a:lnRef>
+          <a:fillRef idx="0">
+            <a:schemeClr val="dk1"/>
+          </a:fillRef>
+          <a:effectRef idx="1">
+            <a:schemeClr val="dk1"/>
+          </a:effectRef>
+          <a:fontRef idx="minor">
+            <a:schemeClr val="tx1"/>
+          </a:fontRef>
+        </p:style>
+      </p:cxnSp>
+      <p:cxnSp>
+        <p:nvCxnSpPr>
+          <p:cNvPr id="34" name="Прямая соединительная линия 33">
+            <a:extLst>
+              <a:ext uri="{FF2B5EF4-FFF2-40B4-BE49-F238E27FC236}">
+                <a16:creationId xmlns:a16="http://schemas.microsoft.com/office/drawing/2014/main" id="{BB789BE1-DCB4-9CCB-0014-CB49AFD8897B}"/>
+              </a:ext>
+            </a:extLst>
+          </p:cNvPr>
+          <p:cNvCxnSpPr>
+            <a:cxnSpLocks/>
+          </p:cNvCxnSpPr>
+          <p:nvPr/>
+        </p:nvCxnSpPr>
+        <p:spPr>
+          <a:xfrm>
+            <a:off x="8601852" y="5147945"/>
+            <a:ext cx="309738" cy="622300"/>
+          </a:xfrm>
+          <a:prstGeom prst="line">
+            <a:avLst/>
+          </a:prstGeom>
+          <a:ln w="19050">
+            <a:solidFill>
+              <a:schemeClr val="tx1">
+                <a:lumMod val="75000"/>
+                <a:lumOff val="25000"/>
+              </a:schemeClr>
+            </a:solidFill>
+          </a:ln>
+        </p:spPr>
+        <p:style>
+          <a:lnRef idx="2">
+            <a:schemeClr val="dk1"/>
+          </a:lnRef>
+          <a:fillRef idx="0">
+            <a:schemeClr val="dk1"/>
+          </a:fillRef>
+          <a:effectRef idx="1">
+            <a:schemeClr val="dk1"/>
+          </a:effectRef>
+          <a:fontRef idx="minor">
+            <a:schemeClr val="tx1"/>
+          </a:fontRef>
+        </p:style>
+      </p:cxnSp>
+      <p:cxnSp>
+        <p:nvCxnSpPr>
+          <p:cNvPr id="36" name="Прямая соединительная линия 35">
+            <a:extLst>
+              <a:ext uri="{FF2B5EF4-FFF2-40B4-BE49-F238E27FC236}">
+                <a16:creationId xmlns:a16="http://schemas.microsoft.com/office/drawing/2014/main" id="{1CC134FC-47BD-DC2A-554F-6E5329AB72E2}"/>
+              </a:ext>
+            </a:extLst>
+          </p:cNvPr>
+          <p:cNvCxnSpPr>
+            <a:cxnSpLocks/>
+          </p:cNvCxnSpPr>
+          <p:nvPr/>
+        </p:nvCxnSpPr>
+        <p:spPr>
+          <a:xfrm flipV="1">
+            <a:off x="7711440" y="3249295"/>
+            <a:ext cx="1960880" cy="1341106"/>
+          </a:xfrm>
+          <a:prstGeom prst="line">
+            <a:avLst/>
+          </a:prstGeom>
+          <a:ln w="19050">
+            <a:solidFill>
+              <a:schemeClr val="tx1">
+                <a:lumMod val="75000"/>
+                <a:lumOff val="25000"/>
+              </a:schemeClr>
+            </a:solidFill>
+          </a:ln>
+        </p:spPr>
+        <p:style>
+          <a:lnRef idx="2">
+            <a:schemeClr val="dk1"/>
+          </a:lnRef>
+          <a:fillRef idx="0">
+            <a:schemeClr val="dk1"/>
+          </a:fillRef>
+          <a:effectRef idx="1">
+            <a:schemeClr val="dk1"/>
+          </a:effectRef>
+          <a:fontRef idx="minor">
+            <a:schemeClr val="tx1"/>
+          </a:fontRef>
+        </p:style>
+      </p:cxnSp>
+      <p:cxnSp>
+        <p:nvCxnSpPr>
+          <p:cNvPr id="40" name="Прямая соединительная линия 39">
+            <a:extLst>
+              <a:ext uri="{FF2B5EF4-FFF2-40B4-BE49-F238E27FC236}">
+                <a16:creationId xmlns:a16="http://schemas.microsoft.com/office/drawing/2014/main" id="{744DF8B5-E458-72F0-1F36-E3062ECE874D}"/>
+              </a:ext>
+            </a:extLst>
+          </p:cNvPr>
+          <p:cNvCxnSpPr>
+            <a:cxnSpLocks/>
+          </p:cNvCxnSpPr>
+          <p:nvPr/>
+        </p:nvCxnSpPr>
+        <p:spPr>
+          <a:xfrm flipV="1">
+            <a:off x="7904480" y="3248646"/>
+            <a:ext cx="1953260" cy="1350638"/>
+          </a:xfrm>
+          <a:prstGeom prst="line">
+            <a:avLst/>
+          </a:prstGeom>
+          <a:ln w="19050">
+            <a:solidFill>
+              <a:schemeClr val="tx1">
+                <a:lumMod val="75000"/>
+                <a:lumOff val="25000"/>
+              </a:schemeClr>
+            </a:solidFill>
+          </a:ln>
+        </p:spPr>
+        <p:style>
+          <a:lnRef idx="2">
+            <a:schemeClr val="dk1"/>
+          </a:lnRef>
+          <a:fillRef idx="0">
+            <a:schemeClr val="dk1"/>
+          </a:fillRef>
+          <a:effectRef idx="1">
+            <a:schemeClr val="dk1"/>
+          </a:effectRef>
+          <a:fontRef idx="minor">
+            <a:schemeClr val="tx1"/>
+          </a:fontRef>
+        </p:style>
+      </p:cxnSp>
+      <p:cxnSp>
+        <p:nvCxnSpPr>
+          <p:cNvPr id="42" name="Прямая соединительная линия 41">
+            <a:extLst>
+              <a:ext uri="{FF2B5EF4-FFF2-40B4-BE49-F238E27FC236}">
+                <a16:creationId xmlns:a16="http://schemas.microsoft.com/office/drawing/2014/main" id="{770177AE-D6F5-92C7-AFF5-9D21142AD30A}"/>
+              </a:ext>
+            </a:extLst>
+          </p:cNvPr>
+          <p:cNvCxnSpPr>
+            <a:cxnSpLocks/>
+          </p:cNvCxnSpPr>
+          <p:nvPr/>
+        </p:nvCxnSpPr>
+        <p:spPr>
+          <a:xfrm>
+            <a:off x="9672320" y="3248646"/>
+            <a:ext cx="1145540" cy="20334"/>
+          </a:xfrm>
+          <a:prstGeom prst="line">
+            <a:avLst/>
+          </a:prstGeom>
+          <a:ln w="19050">
+            <a:solidFill>
+              <a:schemeClr val="tx1">
+                <a:lumMod val="75000"/>
+                <a:lumOff val="25000"/>
+              </a:schemeClr>
+            </a:solidFill>
+          </a:ln>
+        </p:spPr>
+        <p:style>
+          <a:lnRef idx="2">
+            <a:schemeClr val="dk1"/>
+          </a:lnRef>
+          <a:fillRef idx="0">
+            <a:schemeClr val="dk1"/>
+          </a:fillRef>
+          <a:effectRef idx="1">
+            <a:schemeClr val="dk1"/>
+          </a:effectRef>
+          <a:fontRef idx="minor">
+            <a:schemeClr val="tx1"/>
+          </a:fontRef>
+        </p:style>
+      </p:cxnSp>
+      <p:cxnSp>
+        <p:nvCxnSpPr>
+          <p:cNvPr id="45" name="Прямая соединительная линия 44">
+            <a:extLst>
+              <a:ext uri="{FF2B5EF4-FFF2-40B4-BE49-F238E27FC236}">
+                <a16:creationId xmlns:a16="http://schemas.microsoft.com/office/drawing/2014/main" id="{4F4B1B18-A852-E7A9-CC6D-901DA8445ECF}"/>
+              </a:ext>
+            </a:extLst>
+          </p:cNvPr>
+          <p:cNvCxnSpPr>
+            <a:cxnSpLocks/>
+          </p:cNvCxnSpPr>
+          <p:nvPr/>
+        </p:nvCxnSpPr>
+        <p:spPr>
+          <a:xfrm>
+            <a:off x="9607338" y="3429000"/>
+            <a:ext cx="735542" cy="20320"/>
+          </a:xfrm>
+          <a:prstGeom prst="line">
+            <a:avLst/>
+          </a:prstGeom>
+          <a:ln w="19050">
+            <a:solidFill>
+              <a:schemeClr val="tx1">
+                <a:lumMod val="75000"/>
+                <a:lumOff val="25000"/>
+              </a:schemeClr>
+            </a:solidFill>
+          </a:ln>
+        </p:spPr>
+        <p:style>
+          <a:lnRef idx="2">
+            <a:schemeClr val="dk1"/>
+          </a:lnRef>
+          <a:fillRef idx="0">
+            <a:schemeClr val="dk1"/>
+          </a:fillRef>
+          <a:effectRef idx="1">
+            <a:schemeClr val="dk1"/>
+          </a:effectRef>
+          <a:fontRef idx="minor">
+            <a:schemeClr val="tx1"/>
+          </a:fontRef>
+        </p:style>
+      </p:cxnSp>
+      <p:cxnSp>
+        <p:nvCxnSpPr>
+          <p:cNvPr id="47" name="Прямая соединительная линия 46">
+            <a:extLst>
+              <a:ext uri="{FF2B5EF4-FFF2-40B4-BE49-F238E27FC236}">
+                <a16:creationId xmlns:a16="http://schemas.microsoft.com/office/drawing/2014/main" id="{CBEC445C-D197-3136-01FD-4679D4C2249E}"/>
+              </a:ext>
+            </a:extLst>
+          </p:cNvPr>
+          <p:cNvCxnSpPr>
+            <a:cxnSpLocks/>
+          </p:cNvCxnSpPr>
+          <p:nvPr/>
+        </p:nvCxnSpPr>
+        <p:spPr>
+          <a:xfrm flipV="1">
+            <a:off x="9712960" y="3258813"/>
+            <a:ext cx="888999" cy="637875"/>
+          </a:xfrm>
+          <a:prstGeom prst="line">
+            <a:avLst/>
+          </a:prstGeom>
+          <a:ln w="19050">
+            <a:solidFill>
+              <a:schemeClr val="tx1">
+                <a:lumMod val="75000"/>
+                <a:lumOff val="25000"/>
+              </a:schemeClr>
+            </a:solidFill>
+          </a:ln>
+        </p:spPr>
+        <p:style>
+          <a:lnRef idx="2">
+            <a:schemeClr val="dk1"/>
+          </a:lnRef>
+          <a:fillRef idx="0">
+            <a:schemeClr val="dk1"/>
+          </a:fillRef>
+          <a:effectRef idx="1">
+            <a:schemeClr val="dk1"/>
+          </a:effectRef>
+          <a:fontRef idx="minor">
+            <a:schemeClr val="tx1"/>
+          </a:fontRef>
+        </p:style>
+      </p:cxnSp>
+      <p:cxnSp>
+        <p:nvCxnSpPr>
+          <p:cNvPr id="49" name="Прямая соединительная линия 48">
+            <a:extLst>
+              <a:ext uri="{FF2B5EF4-FFF2-40B4-BE49-F238E27FC236}">
+                <a16:creationId xmlns:a16="http://schemas.microsoft.com/office/drawing/2014/main" id="{7EB31F03-B5E3-6683-3434-422938B13CEC}"/>
+              </a:ext>
+            </a:extLst>
+          </p:cNvPr>
+          <p:cNvCxnSpPr>
+            <a:cxnSpLocks/>
+          </p:cNvCxnSpPr>
+          <p:nvPr/>
+        </p:nvCxnSpPr>
+        <p:spPr>
+          <a:xfrm flipV="1">
+            <a:off x="10177780" y="3263611"/>
+            <a:ext cx="635004" cy="454949"/>
+          </a:xfrm>
+          <a:prstGeom prst="line">
+            <a:avLst/>
+          </a:prstGeom>
+          <a:ln w="19050">
+            <a:solidFill>
+              <a:schemeClr val="tx1">
+                <a:lumMod val="75000"/>
+                <a:lumOff val="25000"/>
+              </a:schemeClr>
+            </a:solidFill>
+          </a:ln>
+        </p:spPr>
+        <p:style>
+          <a:lnRef idx="2">
+            <a:schemeClr val="dk1"/>
+          </a:lnRef>
+          <a:fillRef idx="0">
+            <a:schemeClr val="dk1"/>
+          </a:fillRef>
+          <a:effectRef idx="1">
+            <a:schemeClr val="dk1"/>
+          </a:effectRef>
+          <a:fontRef idx="minor">
+            <a:schemeClr val="tx1"/>
+          </a:fontRef>
+        </p:style>
+      </p:cxnSp>
+      <p:cxnSp>
+        <p:nvCxnSpPr>
+          <p:cNvPr id="51" name="Прямая соединительная линия 50">
+            <a:extLst>
+              <a:ext uri="{FF2B5EF4-FFF2-40B4-BE49-F238E27FC236}">
+                <a16:creationId xmlns:a16="http://schemas.microsoft.com/office/drawing/2014/main" id="{45955A4C-18C6-A41E-4E87-70201EDEA03D}"/>
+              </a:ext>
+            </a:extLst>
+          </p:cNvPr>
+          <p:cNvCxnSpPr>
+            <a:cxnSpLocks/>
+          </p:cNvCxnSpPr>
+          <p:nvPr/>
+        </p:nvCxnSpPr>
+        <p:spPr>
+          <a:xfrm flipV="1">
+            <a:off x="9017635" y="3712371"/>
+            <a:ext cx="1345565" cy="955676"/>
+          </a:xfrm>
+          <a:prstGeom prst="line">
+            <a:avLst/>
+          </a:prstGeom>
+          <a:ln w="19050">
+            <a:solidFill>
+              <a:schemeClr val="tx1">
+                <a:lumMod val="75000"/>
+                <a:lumOff val="25000"/>
+              </a:schemeClr>
+            </a:solidFill>
+          </a:ln>
+        </p:spPr>
+        <p:style>
+          <a:lnRef idx="2">
+            <a:schemeClr val="dk1"/>
+          </a:lnRef>
+          <a:fillRef idx="0">
+            <a:schemeClr val="dk1"/>
+          </a:fillRef>
+          <a:effectRef idx="1">
+            <a:schemeClr val="dk1"/>
+          </a:effectRef>
+          <a:fontRef idx="minor">
+            <a:schemeClr val="tx1"/>
+          </a:fontRef>
+        </p:style>
+      </p:cxnSp>
+      <p:cxnSp>
+        <p:nvCxnSpPr>
+          <p:cNvPr id="54" name="Прямая соединительная линия 53">
+            <a:extLst>
+              <a:ext uri="{FF2B5EF4-FFF2-40B4-BE49-F238E27FC236}">
+                <a16:creationId xmlns:a16="http://schemas.microsoft.com/office/drawing/2014/main" id="{5E5EBB21-9753-A5CB-0D33-8563E5BB9799}"/>
+              </a:ext>
+            </a:extLst>
+          </p:cNvPr>
+          <p:cNvCxnSpPr>
+            <a:cxnSpLocks/>
+          </p:cNvCxnSpPr>
+          <p:nvPr/>
+        </p:nvCxnSpPr>
+        <p:spPr>
+          <a:xfrm flipV="1">
+            <a:off x="9207298" y="3733525"/>
+            <a:ext cx="1345565" cy="934522"/>
+          </a:xfrm>
+          <a:prstGeom prst="line">
+            <a:avLst/>
+          </a:prstGeom>
+          <a:ln w="19050">
+            <a:solidFill>
+              <a:schemeClr val="tx1">
+                <a:lumMod val="75000"/>
+                <a:lumOff val="25000"/>
+              </a:schemeClr>
+            </a:solidFill>
+          </a:ln>
+        </p:spPr>
+        <p:style>
+          <a:lnRef idx="2">
+            <a:schemeClr val="dk1"/>
+          </a:lnRef>
+          <a:fillRef idx="0">
+            <a:schemeClr val="dk1"/>
+          </a:fillRef>
+          <a:effectRef idx="1">
+            <a:schemeClr val="dk1"/>
+          </a:effectRef>
+          <a:fontRef idx="minor">
+            <a:schemeClr val="tx1"/>
+          </a:fontRef>
+        </p:style>
+      </p:cxnSp>
+      <p:cxnSp>
+        <p:nvCxnSpPr>
+          <p:cNvPr id="56" name="Прямая соединительная линия 55">
+            <a:extLst>
+              <a:ext uri="{FF2B5EF4-FFF2-40B4-BE49-F238E27FC236}">
+                <a16:creationId xmlns:a16="http://schemas.microsoft.com/office/drawing/2014/main" id="{B5BD2619-BF1B-EB97-46B4-025590197060}"/>
+              </a:ext>
+            </a:extLst>
+          </p:cNvPr>
+          <p:cNvCxnSpPr>
+            <a:cxnSpLocks/>
+          </p:cNvCxnSpPr>
+          <p:nvPr/>
+        </p:nvCxnSpPr>
+        <p:spPr>
+          <a:xfrm>
+            <a:off x="9970029" y="3711736"/>
+            <a:ext cx="582834" cy="13294"/>
+          </a:xfrm>
+          <a:prstGeom prst="line">
+            <a:avLst/>
+          </a:prstGeom>
+          <a:ln w="19050">
+            <a:solidFill>
+              <a:schemeClr val="tx1">
+                <a:lumMod val="75000"/>
+                <a:lumOff val="25000"/>
+              </a:schemeClr>
+            </a:solidFill>
+          </a:ln>
+        </p:spPr>
+        <p:style>
+          <a:lnRef idx="2">
+            <a:schemeClr val="dk1"/>
+          </a:lnRef>
+          <a:fillRef idx="0">
+            <a:schemeClr val="dk1"/>
+          </a:fillRef>
+          <a:effectRef idx="1">
+            <a:schemeClr val="dk1"/>
+          </a:effectRef>
+          <a:fontRef idx="minor">
+            <a:schemeClr val="tx1"/>
+          </a:fontRef>
+        </p:style>
+      </p:cxnSp>
+      <p:cxnSp>
+        <p:nvCxnSpPr>
+          <p:cNvPr id="62" name="Прямая соединительная линия 61">
+            <a:extLst>
+              <a:ext uri="{FF2B5EF4-FFF2-40B4-BE49-F238E27FC236}">
+                <a16:creationId xmlns:a16="http://schemas.microsoft.com/office/drawing/2014/main" id="{77EFDC3B-8FD1-01D0-910B-EA051D1BD2D9}"/>
+              </a:ext>
+            </a:extLst>
+          </p:cNvPr>
+          <p:cNvCxnSpPr>
+            <a:cxnSpLocks/>
+          </p:cNvCxnSpPr>
+          <p:nvPr/>
+        </p:nvCxnSpPr>
+        <p:spPr>
+          <a:xfrm>
+            <a:off x="9699890" y="3902169"/>
+            <a:ext cx="375019" cy="9484"/>
+          </a:xfrm>
+          <a:prstGeom prst="line">
+            <a:avLst/>
+          </a:prstGeom>
+          <a:ln w="19050">
+            <a:solidFill>
+              <a:schemeClr val="tx1">
+                <a:lumMod val="75000"/>
+                <a:lumOff val="25000"/>
+              </a:schemeClr>
+            </a:solidFill>
+          </a:ln>
+        </p:spPr>
+        <p:style>
+          <a:lnRef idx="2">
+            <a:schemeClr val="dk1"/>
+          </a:lnRef>
+          <a:fillRef idx="0">
+            <a:schemeClr val="dk1"/>
+          </a:fillRef>
+          <a:effectRef idx="1">
+            <a:schemeClr val="dk1"/>
+          </a:effectRef>
+          <a:fontRef idx="minor">
+            <a:schemeClr val="tx1"/>
+          </a:fontRef>
+        </p:style>
+      </p:cxnSp>
+      <p:cxnSp>
+        <p:nvCxnSpPr>
+          <p:cNvPr id="64" name="Прямая соединительная линия 63">
+            <a:extLst>
+              <a:ext uri="{FF2B5EF4-FFF2-40B4-BE49-F238E27FC236}">
+                <a16:creationId xmlns:a16="http://schemas.microsoft.com/office/drawing/2014/main" id="{4EE0871D-4B71-CE91-F58B-B76C70636937}"/>
+              </a:ext>
+            </a:extLst>
+          </p:cNvPr>
+          <p:cNvCxnSpPr>
+            <a:cxnSpLocks/>
+          </p:cNvCxnSpPr>
+          <p:nvPr/>
+        </p:nvCxnSpPr>
+        <p:spPr>
+          <a:xfrm>
+            <a:off x="9091703" y="3779836"/>
+            <a:ext cx="364766" cy="9970"/>
+          </a:xfrm>
+          <a:prstGeom prst="line">
+            <a:avLst/>
+          </a:prstGeom>
+          <a:ln w="19050">
+            <a:solidFill>
+              <a:schemeClr val="tx1">
+                <a:lumMod val="75000"/>
+                <a:lumOff val="25000"/>
+              </a:schemeClr>
+            </a:solidFill>
+          </a:ln>
+        </p:spPr>
+        <p:style>
+          <a:lnRef idx="2">
+            <a:schemeClr val="dk1"/>
+          </a:lnRef>
+          <a:fillRef idx="0">
+            <a:schemeClr val="dk1"/>
+          </a:fillRef>
+          <a:effectRef idx="1">
+            <a:schemeClr val="dk1"/>
+          </a:effectRef>
+          <a:fontRef idx="minor">
+            <a:schemeClr val="tx1"/>
+          </a:fontRef>
+        </p:style>
+      </p:cxnSp>
+      <p:cxnSp>
+        <p:nvCxnSpPr>
+          <p:cNvPr id="66" name="Прямая соединительная линия 65">
+            <a:extLst>
+              <a:ext uri="{FF2B5EF4-FFF2-40B4-BE49-F238E27FC236}">
+                <a16:creationId xmlns:a16="http://schemas.microsoft.com/office/drawing/2014/main" id="{D42A245F-9C68-609E-C5D1-331A48B692FC}"/>
+              </a:ext>
+            </a:extLst>
+          </p:cNvPr>
+          <p:cNvCxnSpPr>
+            <a:cxnSpLocks/>
+          </p:cNvCxnSpPr>
+          <p:nvPr/>
+        </p:nvCxnSpPr>
+        <p:spPr>
+          <a:xfrm>
+            <a:off x="8944804" y="3881549"/>
+            <a:ext cx="368155" cy="0"/>
+          </a:xfrm>
+          <a:prstGeom prst="line">
+            <a:avLst/>
+          </a:prstGeom>
+          <a:ln w="19050">
+            <a:solidFill>
+              <a:schemeClr val="tx1">
+                <a:lumMod val="75000"/>
+                <a:lumOff val="25000"/>
+              </a:schemeClr>
+            </a:solidFill>
+          </a:ln>
+        </p:spPr>
+        <p:style>
+          <a:lnRef idx="2">
+            <a:schemeClr val="dk1"/>
+          </a:lnRef>
+          <a:fillRef idx="0">
+            <a:schemeClr val="dk1"/>
+          </a:fillRef>
+          <a:effectRef idx="1">
+            <a:schemeClr val="dk1"/>
+          </a:effectRef>
+          <a:fontRef idx="minor">
+            <a:schemeClr val="tx1"/>
+          </a:fontRef>
+        </p:style>
+      </p:cxnSp>
+      <p:cxnSp>
+        <p:nvCxnSpPr>
+          <p:cNvPr id="68" name="Прямая соединительная линия 67">
+            <a:extLst>
+              <a:ext uri="{FF2B5EF4-FFF2-40B4-BE49-F238E27FC236}">
+                <a16:creationId xmlns:a16="http://schemas.microsoft.com/office/drawing/2014/main" id="{3D3C554B-49BF-A79A-A0D5-3D5F3AD62886}"/>
+              </a:ext>
+            </a:extLst>
+          </p:cNvPr>
+          <p:cNvCxnSpPr>
+            <a:cxnSpLocks/>
+          </p:cNvCxnSpPr>
+          <p:nvPr/>
+        </p:nvCxnSpPr>
+        <p:spPr>
+          <a:xfrm flipV="1">
+            <a:off x="9305829" y="3794978"/>
+            <a:ext cx="150640" cy="95906"/>
+          </a:xfrm>
+          <a:prstGeom prst="line">
+            <a:avLst/>
+          </a:prstGeom>
+          <a:ln w="19050">
+            <a:solidFill>
+              <a:schemeClr val="tx1">
+                <a:lumMod val="75000"/>
+                <a:lumOff val="25000"/>
+              </a:schemeClr>
+            </a:solidFill>
+          </a:ln>
+        </p:spPr>
+        <p:style>
+          <a:lnRef idx="2">
+            <a:schemeClr val="dk1"/>
+          </a:lnRef>
+          <a:fillRef idx="0">
+            <a:schemeClr val="dk1"/>
+          </a:fillRef>
+          <a:effectRef idx="1">
+            <a:schemeClr val="dk1"/>
+          </a:effectRef>
+          <a:fontRef idx="minor">
+            <a:schemeClr val="tx1"/>
+          </a:fontRef>
+        </p:style>
+      </p:cxnSp>
+      <p:pic>
+        <p:nvPicPr>
+          <p:cNvPr id="72" name="Рисунок 71">
+            <a:extLst>
+              <a:ext uri="{FF2B5EF4-FFF2-40B4-BE49-F238E27FC236}">
+                <a16:creationId xmlns:a16="http://schemas.microsoft.com/office/drawing/2014/main" id="{A367350D-ED92-A066-EE8F-61F4B3DDCB22}"/>
+              </a:ext>
+            </a:extLst>
+          </p:cNvPr>
+          <p:cNvPicPr>
+            <a:picLocks noChangeAspect="1"/>
+          </p:cNvPicPr>
+          <p:nvPr/>
+        </p:nvPicPr>
+        <p:blipFill>
+          <a:blip r:embed="rId4">
+            <a:extLst>
+              <a:ext uri="{28A0092B-C50C-407E-A947-70E740481C1C}">
+                <a14:useLocalDpi xmlns:a14="http://schemas.microsoft.com/office/drawing/2010/main" val="0"/>
+              </a:ext>
+            </a:extLst>
+          </a:blip>
+          <a:srcRect l="34470" t="46096" r="63858" b="52439"/>
+          <a:stretch/>
+        </p:blipFill>
+        <p:spPr>
+          <a:xfrm>
+            <a:off x="8686800" y="4562448"/>
+            <a:ext cx="99261" cy="66039"/>
+          </a:xfrm>
+          <a:prstGeom prst="rect">
+            <a:avLst/>
+          </a:prstGeom>
+        </p:spPr>
+      </p:pic>
+      <p:pic>
+        <p:nvPicPr>
+          <p:cNvPr id="73" name="Рисунок 72">
+            <a:extLst>
+              <a:ext uri="{FF2B5EF4-FFF2-40B4-BE49-F238E27FC236}">
+                <a16:creationId xmlns:a16="http://schemas.microsoft.com/office/drawing/2014/main" id="{A367350D-ED92-A066-EE8F-61F4B3DDCB22}"/>
+              </a:ext>
+            </a:extLst>
+          </p:cNvPr>
+          <p:cNvPicPr>
+            <a:picLocks noChangeAspect="1"/>
+          </p:cNvPicPr>
+          <p:nvPr/>
+        </p:nvPicPr>
+        <p:blipFill>
+          <a:blip r:embed="rId4">
+            <a:extLst>
+              <a:ext uri="{28A0092B-C50C-407E-A947-70E740481C1C}">
+                <a14:useLocalDpi xmlns:a14="http://schemas.microsoft.com/office/drawing/2010/main" val="0"/>
+              </a:ext>
+            </a:extLst>
+          </a:blip>
+          <a:srcRect l="34470" t="46096" r="63858" b="52439"/>
+          <a:stretch/>
+        </p:blipFill>
+        <p:spPr>
+          <a:xfrm rot="19459098">
+            <a:off x="8987769" y="4518488"/>
+            <a:ext cx="245594" cy="64050"/>
+          </a:xfrm>
+          <a:prstGeom prst="rect">
+            <a:avLst/>
+          </a:prstGeom>
+        </p:spPr>
+      </p:pic>
+      <p:pic>
+        <p:nvPicPr>
+          <p:cNvPr id="74" name="Рисунок 73">
+            <a:extLst>
+              <a:ext uri="{FF2B5EF4-FFF2-40B4-BE49-F238E27FC236}">
+                <a16:creationId xmlns:a16="http://schemas.microsoft.com/office/drawing/2014/main" id="{A7B1A472-E459-A2A3-9668-7C392A622556}"/>
+              </a:ext>
+            </a:extLst>
+          </p:cNvPr>
+          <p:cNvPicPr>
+            <a:picLocks noChangeAspect="1"/>
+          </p:cNvPicPr>
+          <p:nvPr/>
+        </p:nvPicPr>
+        <p:blipFill>
+          <a:blip r:embed="rId4">
+            <a:extLst>
+              <a:ext uri="{28A0092B-C50C-407E-A947-70E740481C1C}">
+                <a14:useLocalDpi xmlns:a14="http://schemas.microsoft.com/office/drawing/2010/main" val="0"/>
+              </a:ext>
+            </a:extLst>
+          </a:blip>
+          <a:srcRect l="34470" t="46096" r="63858" b="52439"/>
+          <a:stretch/>
+        </p:blipFill>
+        <p:spPr>
+          <a:xfrm rot="254740">
+            <a:off x="8788793" y="4577805"/>
+            <a:ext cx="245594" cy="64050"/>
+          </a:xfrm>
+          <a:prstGeom prst="rect">
+            <a:avLst/>
+          </a:prstGeom>
+        </p:spPr>
+      </p:pic>
     </p:spTree>
     <p:extLst>
       <p:ext uri="{BB962C8B-B14F-4D97-AF65-F5344CB8AC3E}">
@@ -5144,7 +5772,7 @@
 </p:sld>
 </file>
 
-<file path=ppt/slides/slide15.xml><?xml version="1.0" encoding="utf-8"?>
+<file path=ppt/slides/slide12.xml><?xml version="1.0" encoding="utf-8"?>
 <p:sld xmlns:a="http://schemas.openxmlformats.org/drawingml/2006/main" xmlns:r="http://schemas.openxmlformats.org/officeDocument/2006/relationships" xmlns:p="http://schemas.openxmlformats.org/presentationml/2006/main">
   <p:cSld>
     <p:spTree>
@@ -5179,8 +5807,8 @@
         </p:nvSpPr>
         <p:spPr>
           <a:xfrm>
-            <a:off x="210456" y="18255"/>
-            <a:ext cx="11371944" cy="1325563"/>
+            <a:off x="0" y="413909"/>
+            <a:ext cx="12192000" cy="1325563"/>
           </a:xfrm>
         </p:spPr>
         <p:txBody>
@@ -5189,8 +5817,9 @@
           </a:bodyPr>
           <a:lstStyle/>
           <a:p>
-            <a:r>
-              <a:rPr lang="ru-RU" sz="3600" dirty="0">
+            <a:pPr algn="ctr"/>
+            <a:r>
+              <a:rPr lang="ru-RU" sz="3600" b="1" dirty="0">
                 <a:latin typeface="Times New Roman" panose="02020603050405020304" pitchFamily="18" charset="0"/>
                 <a:cs typeface="Times New Roman" panose="02020603050405020304" pitchFamily="18" charset="0"/>
               </a:rPr>
@@ -5227,7 +5856,7 @@
           <a:p>
             <a:fld id="{ED0E9F28-6D5B-4033-80BA-57AD3547A55E}" type="slidenum">
               <a:rPr lang="ru-RU" sz="2200" smtClean="0"/>
-              <a:t>15</a:t>
+              <a:t>12</a:t>
             </a:fld>
             <a:endParaRPr lang="ru-RU" sz="2200" dirty="0"/>
           </a:p>
@@ -5263,8 +5892,8 @@
         </p:blipFill>
         <p:spPr>
           <a:xfrm>
-            <a:off x="440788" y="1402360"/>
-            <a:ext cx="10911279" cy="5455640"/>
+            <a:off x="1092226" y="1739472"/>
+            <a:ext cx="10007547" cy="5003774"/>
           </a:xfrm>
         </p:spPr>
       </p:pic>
@@ -5281,7 +5910,7 @@
 </p:sld>
 </file>
 
-<file path=ppt/slides/slide16.xml><?xml version="1.0" encoding="utf-8"?>
+<file path=ppt/slides/slide13.xml><?xml version="1.0" encoding="utf-8"?>
 <p:sld xmlns:a="http://schemas.openxmlformats.org/drawingml/2006/main" xmlns:r="http://schemas.openxmlformats.org/officeDocument/2006/relationships" xmlns:p="http://schemas.openxmlformats.org/presentationml/2006/main">
   <p:cSld>
     <p:spTree>
@@ -5316,8 +5945,8 @@
         </p:nvSpPr>
         <p:spPr>
           <a:xfrm>
-            <a:off x="199571" y="-200932"/>
-            <a:ext cx="10515600" cy="1325563"/>
+            <a:off x="838200" y="677008"/>
+            <a:ext cx="10515600" cy="785080"/>
           </a:xfrm>
         </p:spPr>
         <p:txBody>
@@ -5326,8 +5955,9 @@
           </a:bodyPr>
           <a:lstStyle/>
           <a:p>
-            <a:r>
-              <a:rPr lang="ru-RU" sz="3600" dirty="0">
+            <a:pPr algn="ctr"/>
+            <a:r>
+              <a:rPr lang="ru-RU" sz="3600" b="1" dirty="0">
                 <a:latin typeface="Times New Roman" panose="02020603050405020304" pitchFamily="18" charset="0"/>
                 <a:cs typeface="Times New Roman" panose="02020603050405020304" pitchFamily="18" charset="0"/>
               </a:rPr>
@@ -5354,7 +5984,7 @@
         </p:nvSpPr>
         <p:spPr>
           <a:xfrm>
-            <a:off x="722085" y="1253330"/>
+            <a:off x="838200" y="1543476"/>
             <a:ext cx="10515600" cy="5103019"/>
           </a:xfrm>
         </p:spPr>
@@ -5554,7 +6184,7 @@
           <a:p>
             <a:fld id="{ED0E9F28-6D5B-4033-80BA-57AD3547A55E}" type="slidenum">
               <a:rPr lang="ru-RU" sz="2200" smtClean="0"/>
-              <a:t>16</a:t>
+              <a:t>13</a:t>
             </a:fld>
             <a:endParaRPr lang="ru-RU" sz="2200" dirty="0"/>
           </a:p>
@@ -5608,7 +6238,7 @@
         </p:nvSpPr>
         <p:spPr>
           <a:xfrm>
-            <a:off x="-3416780" y="-137886"/>
+            <a:off x="638734" y="332908"/>
             <a:ext cx="10515600" cy="1325563"/>
           </a:xfrm>
         </p:spPr>
@@ -5620,7 +6250,7 @@
           <a:p>
             <a:pPr algn="ctr"/>
             <a:r>
-              <a:rPr lang="ru-RU" sz="3600" dirty="0">
+              <a:rPr lang="ru-RU" sz="3600" b="1" dirty="0">
                 <a:latin typeface="Times New Roman" panose="02020603050405020304" pitchFamily="18" charset="0"/>
                 <a:cs typeface="Times New Roman" panose="02020603050405020304" pitchFamily="18" charset="0"/>
               </a:rPr>
@@ -5647,8 +6277,8 @@
         </p:nvSpPr>
         <p:spPr>
           <a:xfrm>
-            <a:off x="432011" y="1295189"/>
-            <a:ext cx="10929046" cy="5338693"/>
+            <a:off x="432011" y="1658471"/>
+            <a:ext cx="10929046" cy="5199529"/>
           </a:xfrm>
         </p:spPr>
         <p:txBody>
@@ -5878,7 +6508,7 @@
         </p:nvSpPr>
         <p:spPr>
           <a:xfrm>
-            <a:off x="-2422551" y="-174172"/>
+            <a:off x="838200" y="318943"/>
             <a:ext cx="10515600" cy="1325563"/>
           </a:xfrm>
         </p:spPr>
@@ -5890,7 +6520,7 @@
           <a:p>
             <a:pPr algn="ctr"/>
             <a:r>
-              <a:rPr lang="ru-RU" sz="3600" dirty="0">
+              <a:rPr lang="ru-RU" sz="3600" b="1" dirty="0">
                 <a:latin typeface="Times New Roman" panose="02020603050405020304" pitchFamily="18" charset="0"/>
                 <a:cs typeface="Times New Roman" panose="02020603050405020304" pitchFamily="18" charset="0"/>
               </a:rPr>
@@ -5917,8 +6547,8 @@
         </p:nvSpPr>
         <p:spPr>
           <a:xfrm>
-            <a:off x="424754" y="968187"/>
-            <a:ext cx="10929046" cy="5844988"/>
+            <a:off x="424754" y="1767254"/>
+            <a:ext cx="10929046" cy="5045921"/>
           </a:xfrm>
         </p:spPr>
         <p:txBody>
@@ -6027,7 +6657,7 @@
                 <a:latin typeface="Times New Roman" panose="02020603050405020304" pitchFamily="18" charset="0"/>
                 <a:cs typeface="Times New Roman" panose="02020603050405020304" pitchFamily="18" charset="0"/>
               </a:rPr>
-              <a:t>В рамках данной работы была выбрана поверхностная модель задания объектов. Этот выбор обусловлен тем, что поверхностные модели позволяют эффективно представлять форму объекта с помощью ограничивающих его поверхностей, что идеально подходит для визуализации объектов-параллелепипедов на сцене.</a:t>
+              <a:t>В рамках данной работы была выбрана поверхностная модель задания объектов.</a:t>
             </a:r>
           </a:p>
         </p:txBody>
@@ -6114,8 +6744,8 @@
         </p:nvSpPr>
         <p:spPr>
           <a:xfrm>
-            <a:off x="-56243" y="-243002"/>
-            <a:ext cx="11477171" cy="1325563"/>
+            <a:off x="-1" y="457199"/>
+            <a:ext cx="12189627" cy="802440"/>
           </a:xfrm>
         </p:spPr>
         <p:txBody>
@@ -6126,7 +6756,7 @@
           <a:p>
             <a:pPr algn="ctr"/>
             <a:r>
-              <a:rPr lang="ru-RU" sz="3600" dirty="0">
+              <a:rPr lang="ru-RU" sz="3600" b="1" dirty="0">
                 <a:latin typeface="Times New Roman" panose="02020603050405020304" pitchFamily="18" charset="0"/>
                 <a:cs typeface="Times New Roman" panose="02020603050405020304" pitchFamily="18" charset="0"/>
               </a:rPr>
@@ -6183,7 +6813,7 @@
         </p:nvSpPr>
         <p:spPr>
           <a:xfrm>
-            <a:off x="177114" y="6040438"/>
+            <a:off x="177114" y="6305103"/>
             <a:ext cx="11837771" cy="430887"/>
           </a:xfrm>
           <a:prstGeom prst="rect">
@@ -6229,14 +6859,64 @@
         </p:blipFill>
         <p:spPr>
           <a:xfrm>
-            <a:off x="0" y="817562"/>
-            <a:ext cx="12192000" cy="5135700"/>
+            <a:off x="258886" y="1384666"/>
+            <a:ext cx="11602914" cy="4887556"/>
           </a:xfrm>
           <a:prstGeom prst="rect">
             <a:avLst/>
           </a:prstGeom>
         </p:spPr>
       </p:pic>
+      <p:sp>
+        <p:nvSpPr>
+          <p:cNvPr id="3" name="Прямоугольник 2">
+            <a:extLst>
+              <a:ext uri="{FF2B5EF4-FFF2-40B4-BE49-F238E27FC236}">
+                <a16:creationId xmlns:a16="http://schemas.microsoft.com/office/drawing/2014/main" id="{E049989B-6A07-B04A-63BD-689B5E1BA70F}"/>
+              </a:ext>
+            </a:extLst>
+          </p:cNvPr>
+          <p:cNvSpPr/>
+          <p:nvPr/>
+        </p:nvSpPr>
+        <p:spPr>
+          <a:xfrm>
+            <a:off x="331361" y="5152292"/>
+            <a:ext cx="11471824" cy="556176"/>
+          </a:xfrm>
+          <a:prstGeom prst="rect">
+            <a:avLst/>
+          </a:prstGeom>
+          <a:noFill/>
+          <a:ln w="76200">
+            <a:solidFill>
+              <a:srgbClr val="00B050"/>
+            </a:solidFill>
+          </a:ln>
+        </p:spPr>
+        <p:style>
+          <a:lnRef idx="2">
+            <a:schemeClr val="accent6"/>
+          </a:lnRef>
+          <a:fillRef idx="1">
+            <a:schemeClr val="lt1"/>
+          </a:fillRef>
+          <a:effectRef idx="0">
+            <a:schemeClr val="accent6"/>
+          </a:effectRef>
+          <a:fontRef idx="minor">
+            <a:schemeClr val="dk1"/>
+          </a:fontRef>
+        </p:style>
+        <p:txBody>
+          <a:bodyPr rtlCol="0" anchor="ctr"/>
+          <a:lstStyle/>
+          <a:p>
+            <a:pPr algn="ctr"/>
+            <a:endParaRPr lang="ru-RU"/>
+          </a:p>
+        </p:txBody>
+      </p:sp>
     </p:spTree>
     <p:extLst>
       <p:ext uri="{BB962C8B-B14F-4D97-AF65-F5344CB8AC3E}">
@@ -6296,8 +6976,8 @@
         </p:blipFill>
         <p:spPr bwMode="auto">
           <a:xfrm>
-            <a:off x="6605952" y="0"/>
-            <a:ext cx="5581650" cy="2971800"/>
+            <a:off x="8326315" y="1312159"/>
+            <a:ext cx="3865685" cy="2058180"/>
           </a:xfrm>
           <a:prstGeom prst="rect">
             <a:avLst/>
@@ -6332,7 +7012,7 @@
         </p:nvSpPr>
         <p:spPr>
           <a:xfrm>
-            <a:off x="-984739" y="-177687"/>
+            <a:off x="2063748" y="444777"/>
             <a:ext cx="8064503" cy="1325563"/>
           </a:xfrm>
         </p:spPr>
@@ -6344,7 +7024,7 @@
           <a:p>
             <a:pPr algn="ctr"/>
             <a:r>
-              <a:rPr lang="ru-RU" sz="3600" dirty="0">
+              <a:rPr lang="ru-RU" sz="3600" b="1" dirty="0">
                 <a:latin typeface="Times New Roman" panose="02020603050405020304" pitchFamily="18" charset="0"/>
                 <a:cs typeface="Times New Roman" panose="02020603050405020304" pitchFamily="18" charset="0"/>
               </a:rPr>
@@ -6367,8 +7047,8 @@
         </p:nvSpPr>
         <p:spPr>
           <a:xfrm>
-            <a:off x="369450" y="3256240"/>
-            <a:ext cx="10273553" cy="3347583"/>
+            <a:off x="585808" y="3370339"/>
+            <a:ext cx="11020382" cy="3042884"/>
           </a:xfrm>
           <a:prstGeom prst="rect">
             <a:avLst/>
@@ -6488,7 +7168,7 @@
         </p:nvSpPr>
         <p:spPr>
           <a:xfrm>
-            <a:off x="369449" y="1147328"/>
+            <a:off x="505640" y="1770340"/>
             <a:ext cx="5216600" cy="1311128"/>
           </a:xfrm>
           <a:prstGeom prst="rect">
@@ -6559,10 +7239,10 @@
       </p:grpSpPr>
       <p:pic>
         <p:nvPicPr>
-          <p:cNvPr id="6" name="Рисунок 5">
-            <a:extLst>
-              <a:ext uri="{FF2B5EF4-FFF2-40B4-BE49-F238E27FC236}">
-                <a16:creationId xmlns:a16="http://schemas.microsoft.com/office/drawing/2014/main" id="{848F0334-315B-4C47-3EF4-5E253C59B952}"/>
+          <p:cNvPr id="13" name="Рисунок 12">
+            <a:extLst>
+              <a:ext uri="{FF2B5EF4-FFF2-40B4-BE49-F238E27FC236}">
+                <a16:creationId xmlns:a16="http://schemas.microsoft.com/office/drawing/2014/main" id="{D89DCBD9-BBFA-4C36-6102-C492326C31FE}"/>
               </a:ext>
             </a:extLst>
           </p:cNvPr>
@@ -6573,134 +7253,25 @@
         </p:nvPicPr>
         <p:blipFill>
           <a:blip r:embed="rId2"/>
-          <a:srcRect t="25935"/>
+          <a:srcRect r="-898"/>
           <a:stretch/>
         </p:blipFill>
         <p:spPr>
           <a:xfrm>
-            <a:off x="66094" y="3981086"/>
-            <a:ext cx="9963628" cy="2832970"/>
+            <a:off x="7718968" y="711858"/>
+            <a:ext cx="4235443" cy="2044562"/>
           </a:xfrm>
           <a:prstGeom prst="rect">
             <a:avLst/>
           </a:prstGeom>
         </p:spPr>
       </p:pic>
-      <p:sp>
-        <p:nvSpPr>
-          <p:cNvPr id="2" name="Заголовок 1">
-            <a:extLst>
-              <a:ext uri="{FF2B5EF4-FFF2-40B4-BE49-F238E27FC236}">
-                <a16:creationId xmlns:a16="http://schemas.microsoft.com/office/drawing/2014/main" id="{926FA102-660F-054E-F6A1-AAAE89B726FA}"/>
-              </a:ext>
-            </a:extLst>
-          </p:cNvPr>
-          <p:cNvSpPr>
-            <a:spLocks noGrp="1"/>
-          </p:cNvSpPr>
-          <p:nvPr>
-            <p:ph type="title"/>
-          </p:nvPr>
-        </p:nvSpPr>
-        <p:spPr>
-          <a:xfrm>
-            <a:off x="-3435835" y="-177687"/>
-            <a:ext cx="10515600" cy="1325563"/>
-          </a:xfrm>
-        </p:spPr>
-        <p:txBody>
-          <a:bodyPr>
-            <a:normAutofit/>
-          </a:bodyPr>
-          <a:lstStyle/>
-          <a:p>
-            <a:pPr algn="ctr"/>
-            <a:r>
-              <a:rPr lang="ru-RU" sz="3600" dirty="0">
-                <a:latin typeface="Times New Roman" panose="02020603050405020304" pitchFamily="18" charset="0"/>
-                <a:cs typeface="Times New Roman" panose="02020603050405020304" pitchFamily="18" charset="0"/>
-              </a:rPr>
-              <a:t>Метод закраски </a:t>
-            </a:r>
-          </a:p>
-        </p:txBody>
-      </p:sp>
-      <p:sp>
-        <p:nvSpPr>
-          <p:cNvPr id="8" name="TextBox 7">
-            <a:extLst>
-              <a:ext uri="{FF2B5EF4-FFF2-40B4-BE49-F238E27FC236}">
-                <a16:creationId xmlns:a16="http://schemas.microsoft.com/office/drawing/2014/main" id="{F2EE5E55-E14C-EED0-F2AE-E618CA8FEC60}"/>
-              </a:ext>
-            </a:extLst>
-          </p:cNvPr>
-          <p:cNvSpPr txBox="1"/>
-          <p:nvPr/>
-        </p:nvSpPr>
-        <p:spPr>
-          <a:xfrm>
-            <a:off x="255517" y="2916774"/>
-            <a:ext cx="6996930" cy="769441"/>
-          </a:xfrm>
-          <a:prstGeom prst="rect">
-            <a:avLst/>
-          </a:prstGeom>
-          <a:noFill/>
-        </p:spPr>
-        <p:txBody>
-          <a:bodyPr wrap="square">
-            <a:spAutoFit/>
-          </a:bodyPr>
-          <a:lstStyle/>
-          <a:p>
-            <a:pPr marL="0" indent="0">
-              <a:buNone/>
-            </a:pPr>
-            <a:r>
-              <a:rPr lang="ru-RU" sz="2200" dirty="0">
-                <a:latin typeface="Times New Roman" panose="02020603050405020304" pitchFamily="18" charset="0"/>
-                <a:cs typeface="Times New Roman" panose="02020603050405020304" pitchFamily="18" charset="0"/>
-              </a:rPr>
-              <a:t>Цвет всей поверхности рассчитывается согласно закону Ламберта, который определяется следующим образом:</a:t>
-            </a:r>
-          </a:p>
-        </p:txBody>
-      </p:sp>
       <p:pic>
         <p:nvPicPr>
-          <p:cNvPr id="9" name="Рисунок 8">
-            <a:extLst>
-              <a:ext uri="{FF2B5EF4-FFF2-40B4-BE49-F238E27FC236}">
-                <a16:creationId xmlns:a16="http://schemas.microsoft.com/office/drawing/2014/main" id="{19588109-06A6-5AEC-EDE7-FA44EA947BC9}"/>
-              </a:ext>
-            </a:extLst>
-          </p:cNvPr>
-          <p:cNvPicPr>
-            <a:picLocks noChangeAspect="1"/>
-          </p:cNvPicPr>
-          <p:nvPr/>
-        </p:nvPicPr>
-        <p:blipFill>
-          <a:blip r:embed="rId2"/>
-          <a:srcRect l="42440" t="4162" r="36841" b="83265"/>
-          <a:stretch/>
-        </p:blipFill>
-        <p:spPr>
-          <a:xfrm>
-            <a:off x="1497159" y="3769473"/>
-            <a:ext cx="2774493" cy="646331"/>
-          </a:xfrm>
-          <a:prstGeom prst="rect">
-            <a:avLst/>
-          </a:prstGeom>
-        </p:spPr>
-      </p:pic>
-      <p:pic>
-        <p:nvPicPr>
-          <p:cNvPr id="11" name="Рисунок 10">
-            <a:extLst>
-              <a:ext uri="{FF2B5EF4-FFF2-40B4-BE49-F238E27FC236}">
-                <a16:creationId xmlns:a16="http://schemas.microsoft.com/office/drawing/2014/main" id="{F542D081-D409-3FE3-AA69-B22621FB1553}"/>
+          <p:cNvPr id="6" name="Рисунок 5">
+            <a:extLst>
+              <a:ext uri="{FF2B5EF4-FFF2-40B4-BE49-F238E27FC236}">
+                <a16:creationId xmlns:a16="http://schemas.microsoft.com/office/drawing/2014/main" id="{848F0334-315B-4C47-3EF4-5E253C59B952}"/>
               </a:ext>
             </a:extLst>
           </p:cNvPr>
@@ -6711,26 +7282,134 @@
         </p:nvPicPr>
         <p:blipFill>
           <a:blip r:embed="rId3"/>
-          <a:stretch>
-            <a:fillRect/>
-          </a:stretch>
+          <a:srcRect t="25935"/>
+          <a:stretch/>
         </p:blipFill>
         <p:spPr>
           <a:xfrm>
-            <a:off x="4035097" y="86279"/>
-            <a:ext cx="3316086" cy="1495979"/>
+            <a:off x="211500" y="4169760"/>
+            <a:ext cx="9298766" cy="2643929"/>
           </a:xfrm>
           <a:prstGeom prst="rect">
             <a:avLst/>
           </a:prstGeom>
         </p:spPr>
       </p:pic>
+      <p:sp>
+        <p:nvSpPr>
+          <p:cNvPr id="2" name="Заголовок 1">
+            <a:extLst>
+              <a:ext uri="{FF2B5EF4-FFF2-40B4-BE49-F238E27FC236}">
+                <a16:creationId xmlns:a16="http://schemas.microsoft.com/office/drawing/2014/main" id="{926FA102-660F-054E-F6A1-AAAE89B726FA}"/>
+              </a:ext>
+            </a:extLst>
+          </p:cNvPr>
+          <p:cNvSpPr>
+            <a:spLocks noGrp="1"/>
+          </p:cNvSpPr>
+          <p:nvPr>
+            <p:ph type="title"/>
+          </p:nvPr>
+        </p:nvSpPr>
+        <p:spPr>
+          <a:xfrm>
+            <a:off x="838200" y="249386"/>
+            <a:ext cx="10515600" cy="1325563"/>
+          </a:xfrm>
+        </p:spPr>
+        <p:txBody>
+          <a:bodyPr>
+            <a:normAutofit/>
+          </a:bodyPr>
+          <a:lstStyle/>
+          <a:p>
+            <a:pPr algn="ctr"/>
+            <a:r>
+              <a:rPr lang="ru-RU" sz="3600" b="1" dirty="0">
+                <a:latin typeface="Times New Roman" panose="02020603050405020304" pitchFamily="18" charset="0"/>
+                <a:cs typeface="Times New Roman" panose="02020603050405020304" pitchFamily="18" charset="0"/>
+              </a:rPr>
+              <a:t>Метод закраски </a:t>
+            </a:r>
+          </a:p>
+        </p:txBody>
+      </p:sp>
+      <p:sp>
+        <p:nvSpPr>
+          <p:cNvPr id="8" name="TextBox 7">
+            <a:extLst>
+              <a:ext uri="{FF2B5EF4-FFF2-40B4-BE49-F238E27FC236}">
+                <a16:creationId xmlns:a16="http://schemas.microsoft.com/office/drawing/2014/main" id="{F2EE5E55-E14C-EED0-F2AE-E618CA8FEC60}"/>
+              </a:ext>
+            </a:extLst>
+          </p:cNvPr>
+          <p:cNvSpPr txBox="1"/>
+          <p:nvPr/>
+        </p:nvSpPr>
+        <p:spPr>
+          <a:xfrm>
+            <a:off x="211500" y="3418560"/>
+            <a:ext cx="6996930" cy="430887"/>
+          </a:xfrm>
+          <a:prstGeom prst="rect">
+            <a:avLst/>
+          </a:prstGeom>
+          <a:noFill/>
+        </p:spPr>
+        <p:txBody>
+          <a:bodyPr wrap="square">
+            <a:spAutoFit/>
+          </a:bodyPr>
+          <a:lstStyle/>
+          <a:p>
+            <a:pPr marL="0" indent="0">
+              <a:buNone/>
+            </a:pPr>
+            <a:r>
+              <a:rPr lang="ru-RU" sz="2200" dirty="0">
+                <a:latin typeface="Times New Roman" panose="02020603050405020304" pitchFamily="18" charset="0"/>
+                <a:cs typeface="Times New Roman" panose="02020603050405020304" pitchFamily="18" charset="0"/>
+              </a:rPr>
+              <a:t>Цвет поверхности рассчитывается по закону Ламберта:</a:t>
+            </a:r>
+          </a:p>
+        </p:txBody>
+      </p:sp>
       <p:pic>
         <p:nvPicPr>
-          <p:cNvPr id="13" name="Рисунок 12">
-            <a:extLst>
-              <a:ext uri="{FF2B5EF4-FFF2-40B4-BE49-F238E27FC236}">
-                <a16:creationId xmlns:a16="http://schemas.microsoft.com/office/drawing/2014/main" id="{D89DCBD9-BBFA-4C36-6102-C492326C31FE}"/>
+          <p:cNvPr id="9" name="Рисунок 8">
+            <a:extLst>
+              <a:ext uri="{FF2B5EF4-FFF2-40B4-BE49-F238E27FC236}">
+                <a16:creationId xmlns:a16="http://schemas.microsoft.com/office/drawing/2014/main" id="{19588109-06A6-5AEC-EDE7-FA44EA947BC9}"/>
+              </a:ext>
+            </a:extLst>
+          </p:cNvPr>
+          <p:cNvPicPr>
+            <a:picLocks noChangeAspect="1"/>
+          </p:cNvPicPr>
+          <p:nvPr/>
+        </p:nvPicPr>
+        <p:blipFill>
+          <a:blip r:embed="rId3"/>
+          <a:srcRect l="42440" t="4162" r="36841" b="83265"/>
+          <a:stretch/>
+        </p:blipFill>
+        <p:spPr>
+          <a:xfrm>
+            <a:off x="1497159" y="3769473"/>
+            <a:ext cx="3436609" cy="800574"/>
+          </a:xfrm>
+          <a:prstGeom prst="rect">
+            <a:avLst/>
+          </a:prstGeom>
+        </p:spPr>
+      </p:pic>
+      <p:pic>
+        <p:nvPicPr>
+          <p:cNvPr id="11" name="Рисунок 10">
+            <a:extLst>
+              <a:ext uri="{FF2B5EF4-FFF2-40B4-BE49-F238E27FC236}">
+                <a16:creationId xmlns:a16="http://schemas.microsoft.com/office/drawing/2014/main" id="{F542D081-D409-3FE3-AA69-B22621FB1553}"/>
               </a:ext>
             </a:extLst>
           </p:cNvPr>
@@ -6741,13 +7420,14 @@
         </p:nvPicPr>
         <p:blipFill>
           <a:blip r:embed="rId4"/>
-          <a:srcRect r="-898"/>
-          <a:stretch/>
+          <a:stretch>
+            <a:fillRect/>
+          </a:stretch>
         </p:blipFill>
         <p:spPr>
           <a:xfrm>
-            <a:off x="7547479" y="173563"/>
-            <a:ext cx="4578427" cy="2210130"/>
+            <a:off x="211500" y="870203"/>
+            <a:ext cx="3316086" cy="1495979"/>
           </a:xfrm>
           <a:prstGeom prst="rect">
             <a:avLst/>
@@ -6775,8 +7455,8 @@
         </p:blipFill>
         <p:spPr>
           <a:xfrm>
-            <a:off x="7635031" y="3270717"/>
-            <a:ext cx="4490875" cy="2210130"/>
+            <a:off x="7733911" y="3453424"/>
+            <a:ext cx="4205556" cy="2069714"/>
           </a:xfrm>
           <a:prstGeom prst="rect">
             <a:avLst/>
@@ -6797,7 +7477,7 @@
         </p:nvSpPr>
         <p:spPr>
           <a:xfrm>
-            <a:off x="4502811" y="1582258"/>
+            <a:off x="679214" y="2366182"/>
             <a:ext cx="2545548" cy="707886"/>
           </a:xfrm>
           <a:prstGeom prst="rect">
@@ -6843,7 +7523,7 @@
         </p:nvSpPr>
         <p:spPr>
           <a:xfrm>
-            <a:off x="7587637" y="2239051"/>
+            <a:off x="7627796" y="2614634"/>
             <a:ext cx="4498109" cy="707886"/>
           </a:xfrm>
           <a:prstGeom prst="rect">
@@ -6917,7 +7597,7 @@
         </p:nvSpPr>
         <p:spPr>
           <a:xfrm>
-            <a:off x="7351183" y="5397571"/>
+            <a:off x="7406848" y="5425539"/>
             <a:ext cx="4859681" cy="707886"/>
           </a:xfrm>
           <a:prstGeom prst="rect">
@@ -6995,7 +7675,7 @@
         </p:nvSpPr>
         <p:spPr>
           <a:xfrm>
-            <a:off x="190671" y="879134"/>
+            <a:off x="3764325" y="1432461"/>
             <a:ext cx="3929556" cy="1785104"/>
           </a:xfrm>
           <a:prstGeom prst="rect">
@@ -7081,8 +7761,8 @@
         </p:nvSpPr>
         <p:spPr>
           <a:xfrm>
-            <a:off x="0" y="-355786"/>
-            <a:ext cx="9706706" cy="1325563"/>
+            <a:off x="-1" y="198129"/>
+            <a:ext cx="12192001" cy="1061827"/>
           </a:xfrm>
         </p:spPr>
         <p:txBody>
@@ -7093,7 +7773,7 @@
           <a:p>
             <a:pPr algn="ctr"/>
             <a:r>
-              <a:rPr lang="ru-RU" sz="3600" dirty="0">
+              <a:rPr lang="ru-RU" sz="3600" b="1" dirty="0">
                 <a:latin typeface="Times New Roman" panose="02020603050405020304" pitchFamily="18" charset="0"/>
                 <a:cs typeface="Times New Roman" panose="02020603050405020304" pitchFamily="18" charset="0"/>
               </a:rPr>
@@ -7166,8 +7846,8 @@
         </p:blipFill>
         <p:spPr>
           <a:xfrm>
-            <a:off x="2709556" y="625956"/>
-            <a:ext cx="6772888" cy="6161933"/>
+            <a:off x="3019455" y="1259956"/>
+            <a:ext cx="6153090" cy="5598044"/>
           </a:xfrm>
         </p:spPr>
       </p:pic>
@@ -7219,8 +7899,8 @@
         </p:nvSpPr>
         <p:spPr>
           <a:xfrm>
-            <a:off x="105507" y="-246436"/>
-            <a:ext cx="5829301" cy="1644412"/>
+            <a:off x="52753" y="231708"/>
+            <a:ext cx="12086493" cy="1051967"/>
           </a:xfrm>
         </p:spPr>
         <p:txBody>
@@ -7229,25 +7909,13 @@
           </a:bodyPr>
           <a:lstStyle/>
           <a:p>
-            <a:r>
-              <a:rPr lang="ru-RU" sz="3600" dirty="0">
+            <a:pPr algn="ctr"/>
+            <a:r>
+              <a:rPr lang="ru-RU" sz="3600" b="1" dirty="0">
                 <a:latin typeface="Times New Roman" panose="02020603050405020304" pitchFamily="18" charset="0"/>
                 <a:cs typeface="Times New Roman" panose="02020603050405020304" pitchFamily="18" charset="0"/>
               </a:rPr>
-              <a:t>Алгоритм Z-буфера</a:t>
-            </a:r>
-            <a:br>
-              <a:rPr lang="ru-RU" sz="3600" dirty="0">
-                <a:latin typeface="Times New Roman" panose="02020603050405020304" pitchFamily="18" charset="0"/>
-                <a:cs typeface="Times New Roman" panose="02020603050405020304" pitchFamily="18" charset="0"/>
-              </a:rPr>
-            </a:br>
-            <a:r>
-              <a:rPr lang="ru-RU" sz="3600" dirty="0">
-                <a:latin typeface="Times New Roman" panose="02020603050405020304" pitchFamily="18" charset="0"/>
-                <a:cs typeface="Times New Roman" panose="02020603050405020304" pitchFamily="18" charset="0"/>
-              </a:rPr>
-              <a:t> с отрисовкой теней</a:t>
+              <a:t>Алгоритм Z-буфера с отрисовкой теней</a:t>
             </a:r>
           </a:p>
         </p:txBody>
@@ -7286,41 +7954,6 @@
           </a:p>
         </p:txBody>
       </p:sp>
-      <p:pic>
-        <p:nvPicPr>
-          <p:cNvPr id="6" name="Объект 5">
-            <a:extLst>
-              <a:ext uri="{FF2B5EF4-FFF2-40B4-BE49-F238E27FC236}">
-                <a16:creationId xmlns:a16="http://schemas.microsoft.com/office/drawing/2014/main" id="{EDF14F83-67B7-7A62-74E3-C94F9C007865}"/>
-              </a:ext>
-            </a:extLst>
-          </p:cNvPr>
-          <p:cNvPicPr>
-            <a:picLocks noGrp="1" noChangeAspect="1"/>
-          </p:cNvPicPr>
-          <p:nvPr>
-            <p:ph idx="1"/>
-          </p:nvPr>
-        </p:nvPicPr>
-        <p:blipFill>
-          <a:blip r:embed="rId2">
-            <a:extLst>
-              <a:ext uri="{28A0092B-C50C-407E-A947-70E740481C1C}">
-                <a14:useLocalDpi xmlns:a14="http://schemas.microsoft.com/office/drawing/2010/main" val="0"/>
-              </a:ext>
-            </a:extLst>
-          </a:blip>
-          <a:stretch>
-            <a:fillRect/>
-          </a:stretch>
-        </p:blipFill>
-        <p:spPr>
-          <a:xfrm>
-            <a:off x="4169785" y="38324"/>
-            <a:ext cx="4042230" cy="6720983"/>
-          </a:xfrm>
-        </p:spPr>
-      </p:pic>
       <p:pic>
         <p:nvPicPr>
           <p:cNvPr id="1026" name="Picture 2" descr="Picture background">
@@ -7336,11 +7969,11 @@
           <p:nvPr/>
         </p:nvPicPr>
         <p:blipFill>
-          <a:blip r:embed="rId3">
+          <a:blip r:embed="rId2">
             <a:extLst>
               <a:ext uri="{BEBA8EAE-BF5A-486C-A8C5-ECC9F3942E4B}">
                 <a14:imgProps xmlns:a14="http://schemas.microsoft.com/office/drawing/2010/main">
-                  <a14:imgLayer r:embed="rId4">
+                  <a14:imgLayer r:embed="rId3">
                     <a14:imgEffect>
                       <a14:backgroundRemoval t="9984" b="92076" l="10000" r="90000">
                         <a14:foregroundMark x1="57738" y1="20285" x2="59524" y2="30745"/>
@@ -7364,8 +7997,8 @@
         </p:blipFill>
         <p:spPr bwMode="auto">
           <a:xfrm flipH="1">
-            <a:off x="8796363" y="962631"/>
-            <a:ext cx="3634415" cy="2730138"/>
+            <a:off x="9145125" y="4520070"/>
+            <a:ext cx="3046875" cy="2288784"/>
           </a:xfrm>
           <a:prstGeom prst="rect">
             <a:avLst/>
@@ -7380,6 +8013,77 @@
               </a14:hiddenFill>
             </a:ext>
           </a:extLst>
+        </p:spPr>
+      </p:pic>
+      <p:pic>
+        <p:nvPicPr>
+          <p:cNvPr id="7" name="Объект 6">
+            <a:extLst>
+              <a:ext uri="{FF2B5EF4-FFF2-40B4-BE49-F238E27FC236}">
+                <a16:creationId xmlns:a16="http://schemas.microsoft.com/office/drawing/2014/main" id="{765AAA19-217B-1D85-4A49-A65777AEB9E5}"/>
+              </a:ext>
+            </a:extLst>
+          </p:cNvPr>
+          <p:cNvPicPr>
+            <a:picLocks noGrp="1" noChangeAspect="1"/>
+          </p:cNvPicPr>
+          <p:nvPr>
+            <p:ph idx="1"/>
+          </p:nvPr>
+        </p:nvPicPr>
+        <p:blipFill>
+          <a:blip r:embed="rId4">
+            <a:extLst>
+              <a:ext uri="{28A0092B-C50C-407E-A947-70E740481C1C}">
+                <a14:useLocalDpi xmlns:a14="http://schemas.microsoft.com/office/drawing/2010/main" val="0"/>
+              </a:ext>
+            </a:extLst>
+          </a:blip>
+          <a:stretch>
+            <a:fillRect/>
+          </a:stretch>
+        </p:blipFill>
+        <p:spPr>
+          <a:xfrm>
+            <a:off x="735869" y="1283678"/>
+            <a:ext cx="5360131" cy="5342614"/>
+          </a:xfrm>
+        </p:spPr>
+      </p:pic>
+      <p:pic>
+        <p:nvPicPr>
+          <p:cNvPr id="9" name="Рисунок 8">
+            <a:extLst>
+              <a:ext uri="{FF2B5EF4-FFF2-40B4-BE49-F238E27FC236}">
+                <a16:creationId xmlns:a16="http://schemas.microsoft.com/office/drawing/2014/main" id="{C6000F37-C309-86BD-A73D-9D2BB1C3C376}"/>
+              </a:ext>
+            </a:extLst>
+          </p:cNvPr>
+          <p:cNvPicPr>
+            <a:picLocks noChangeAspect="1"/>
+          </p:cNvPicPr>
+          <p:nvPr/>
+        </p:nvPicPr>
+        <p:blipFill>
+          <a:blip r:embed="rId5">
+            <a:extLst>
+              <a:ext uri="{28A0092B-C50C-407E-A947-70E740481C1C}">
+                <a14:useLocalDpi xmlns:a14="http://schemas.microsoft.com/office/drawing/2010/main" val="0"/>
+              </a:ext>
+            </a:extLst>
+          </a:blip>
+          <a:stretch>
+            <a:fillRect/>
+          </a:stretch>
+        </p:blipFill>
+        <p:spPr>
+          <a:xfrm>
+            <a:off x="5626883" y="1283676"/>
+            <a:ext cx="5829248" cy="5342615"/>
+          </a:xfrm>
+          <a:prstGeom prst="rect">
+            <a:avLst/>
+          </a:prstGeom>
         </p:spPr>
       </p:pic>
     </p:spTree>
@@ -7430,8 +8134,8 @@
         </p:nvSpPr>
         <p:spPr>
           <a:xfrm>
-            <a:off x="-3087915" y="-273502"/>
-            <a:ext cx="10515600" cy="1325563"/>
+            <a:off x="838200" y="246185"/>
+            <a:ext cx="10515600" cy="1012064"/>
           </a:xfrm>
         </p:spPr>
         <p:txBody>
@@ -7442,7 +8146,7 @@
           <a:p>
             <a:pPr algn="ctr"/>
             <a:r>
-              <a:rPr lang="ru-RU" sz="3600" dirty="0">
+              <a:rPr lang="ru-RU" sz="3600" b="1" dirty="0">
                 <a:latin typeface="Times New Roman" panose="02020603050405020304" pitchFamily="18" charset="0"/>
                 <a:cs typeface="Times New Roman" panose="02020603050405020304" pitchFamily="18" charset="0"/>
               </a:rPr>
@@ -7487,10 +8191,10 @@
       </p:sp>
       <p:pic>
         <p:nvPicPr>
-          <p:cNvPr id="5" name="Рисунок 4">
-            <a:extLst>
-              <a:ext uri="{FF2B5EF4-FFF2-40B4-BE49-F238E27FC236}">
-                <a16:creationId xmlns:a16="http://schemas.microsoft.com/office/drawing/2014/main" id="{7CDCF296-C2AB-A591-AD64-50B9717E98A0}"/>
+          <p:cNvPr id="4" name="Рисунок 3">
+            <a:extLst>
+              <a:ext uri="{FF2B5EF4-FFF2-40B4-BE49-F238E27FC236}">
+                <a16:creationId xmlns:a16="http://schemas.microsoft.com/office/drawing/2014/main" id="{576BD09D-B04F-68EC-F1AE-5A62B9258438}"/>
               </a:ext>
             </a:extLst>
           </p:cNvPr>
@@ -7513,8 +8217,8 @@
         </p:blipFill>
         <p:spPr>
           <a:xfrm>
-            <a:off x="5513294" y="196065"/>
-            <a:ext cx="6500906" cy="6603877"/>
+            <a:off x="1141319" y="1107859"/>
+            <a:ext cx="9909362" cy="5692083"/>
           </a:xfrm>
           <a:prstGeom prst="rect">
             <a:avLst/>
